--- a/docs/documentation_graphics.pptx
+++ b/docs/documentation_graphics.pptx
@@ -12,6 +12,16 @@
     <p:sldId id="259" r:id="rId6"/>
     <p:sldId id="261" r:id="rId7"/>
     <p:sldId id="262" r:id="rId8"/>
+    <p:sldId id="263" r:id="rId9"/>
+    <p:sldId id="267" r:id="rId10"/>
+    <p:sldId id="265" r:id="rId11"/>
+    <p:sldId id="264" r:id="rId12"/>
+    <p:sldId id="266" r:id="rId13"/>
+    <p:sldId id="268" r:id="rId14"/>
+    <p:sldId id="269" r:id="rId15"/>
+    <p:sldId id="270" r:id="rId16"/>
+    <p:sldId id="271" r:id="rId17"/>
+    <p:sldId id="272" r:id="rId18"/>
   </p:sldIdLst>
   <p:sldSz cx="9144000" cy="6858000" type="screen4x3"/>
   <p:notesSz cx="6797675" cy="9926638"/>
@@ -12539,14 +12549,6 @@
                         </a:rPr>
                         <a:t>1</a:t>
                       </a:r>
-                      <a:endParaRPr lang="de-DE" sz="1200" kern="1200" noProof="1" smtClean="0">
-                        <a:solidFill>
-                          <a:srgbClr val="16A085"/>
-                        </a:solidFill>
-                        <a:effectLst/>
-                        <a:latin typeface="Arial" panose="020B0604020202020204" pitchFamily="34" charset="0"/>
-                        <a:cs typeface="Arial" panose="020B0604020202020204" pitchFamily="34" charset="0"/>
-                      </a:endParaRPr>
                     </a:p>
                   </a:txBody>
                   <a:tcPr>
@@ -13062,13 +13064,6 @@
                         </a:rPr>
                         <a:t></a:t>
                       </a:r>
-                      <a:endParaRPr lang="de-DE" sz="4800" kern="1200" noProof="1" smtClean="0">
-                        <a:solidFill>
-                          <a:srgbClr val="16A085"/>
-                        </a:solidFill>
-                        <a:effectLst/>
-                        <a:latin typeface="FontAwesome" pitchFamily="50" charset="0"/>
-                      </a:endParaRPr>
                     </a:p>
                   </a:txBody>
                   <a:tcPr>
@@ -14391,6 +14386,3412 @@
 </p:sld>
 </file>
 
+<file path=ppt/slides/slide10.xml><?xml version="1.0" encoding="utf-8"?>
+<p:sld xmlns:a="http://schemas.openxmlformats.org/drawingml/2006/main" xmlns:r="http://schemas.openxmlformats.org/officeDocument/2006/relationships" xmlns:p="http://schemas.openxmlformats.org/presentationml/2006/main">
+  <p:cSld>
+    <p:spTree>
+      <p:nvGrpSpPr>
+        <p:cNvPr id="1" name=""/>
+        <p:cNvGrpSpPr/>
+        <p:nvPr/>
+      </p:nvGrpSpPr>
+      <p:grpSpPr>
+        <a:xfrm>
+          <a:off x="0" y="0"/>
+          <a:ext cx="0" cy="0"/>
+          <a:chOff x="0" y="0"/>
+          <a:chExt cx="0" cy="0"/>
+        </a:xfrm>
+      </p:grpSpPr>
+      <p:sp>
+        <p:nvSpPr>
+          <p:cNvPr id="7" name="Rechteck 6"/>
+          <p:cNvSpPr/>
+          <p:nvPr/>
+        </p:nvSpPr>
+        <p:spPr>
+          <a:xfrm>
+            <a:off x="1043608" y="1484784"/>
+            <a:ext cx="2088232" cy="864096"/>
+          </a:xfrm>
+          <a:prstGeom prst="rect">
+            <a:avLst/>
+          </a:prstGeom>
+          <a:solidFill>
+            <a:srgbClr val="1ABC9C"/>
+          </a:solidFill>
+          <a:ln>
+            <a:solidFill>
+              <a:srgbClr val="16A085"/>
+            </a:solidFill>
+          </a:ln>
+        </p:spPr>
+        <p:style>
+          <a:lnRef idx="2">
+            <a:schemeClr val="accent1">
+              <a:shade val="50000"/>
+            </a:schemeClr>
+          </a:lnRef>
+          <a:fillRef idx="1">
+            <a:schemeClr val="accent1"/>
+          </a:fillRef>
+          <a:effectRef idx="0">
+            <a:schemeClr val="accent1"/>
+          </a:effectRef>
+          <a:fontRef idx="minor">
+            <a:schemeClr val="lt1"/>
+          </a:fontRef>
+        </p:style>
+        <p:txBody>
+          <a:bodyPr rtlCol="0" anchor="t"/>
+          <a:lstStyle/>
+          <a:p>
+            <a:pPr algn="ctr"/>
+            <a:r>
+              <a:rPr lang="de-DE" sz="1200" noProof="1" smtClean="0">
+                <a:solidFill>
+                  <a:srgbClr val="2B2B2B"/>
+                </a:solidFill>
+                <a:latin typeface="Arial" panose="020B0604020202020204" pitchFamily="34" charset="0"/>
+                <a:cs typeface="Arial" panose="020B0604020202020204" pitchFamily="34" charset="0"/>
+              </a:rPr>
+              <a:t>ScalePerformanceBarClass</a:t>
+            </a:r>
+            <a:endParaRPr lang="de-DE" sz="1200" noProof="1">
+              <a:solidFill>
+                <a:srgbClr val="2B2B2B"/>
+              </a:solidFill>
+              <a:latin typeface="Arial" panose="020B0604020202020204" pitchFamily="34" charset="0"/>
+              <a:cs typeface="Arial" panose="020B0604020202020204" pitchFamily="34" charset="0"/>
+            </a:endParaRPr>
+          </a:p>
+        </p:txBody>
+      </p:sp>
+      <p:cxnSp>
+        <p:nvCxnSpPr>
+          <p:cNvPr id="11" name="Gerade Verbindung 10"/>
+          <p:cNvCxnSpPr/>
+          <p:nvPr/>
+        </p:nvCxnSpPr>
+        <p:spPr>
+          <a:xfrm>
+            <a:off x="1043608" y="1772816"/>
+            <a:ext cx="2088232" cy="0"/>
+          </a:xfrm>
+          <a:prstGeom prst="line">
+            <a:avLst/>
+          </a:prstGeom>
+          <a:ln>
+            <a:solidFill>
+              <a:srgbClr val="16A085"/>
+            </a:solidFill>
+          </a:ln>
+          <a:effectLst/>
+        </p:spPr>
+        <p:style>
+          <a:lnRef idx="2">
+            <a:schemeClr val="accent1"/>
+          </a:lnRef>
+          <a:fillRef idx="0">
+            <a:schemeClr val="accent1"/>
+          </a:fillRef>
+          <a:effectRef idx="1">
+            <a:schemeClr val="accent1"/>
+          </a:effectRef>
+          <a:fontRef idx="minor">
+            <a:schemeClr val="tx1"/>
+          </a:fontRef>
+        </p:style>
+      </p:cxnSp>
+      <p:cxnSp>
+        <p:nvCxnSpPr>
+          <p:cNvPr id="12" name="Gerade Verbindung 11"/>
+          <p:cNvCxnSpPr/>
+          <p:nvPr/>
+        </p:nvCxnSpPr>
+        <p:spPr>
+          <a:xfrm>
+            <a:off x="1043608" y="2132856"/>
+            <a:ext cx="2088232" cy="0"/>
+          </a:xfrm>
+          <a:prstGeom prst="line">
+            <a:avLst/>
+          </a:prstGeom>
+          <a:ln>
+            <a:solidFill>
+              <a:srgbClr val="16A085"/>
+            </a:solidFill>
+          </a:ln>
+          <a:effectLst/>
+        </p:spPr>
+        <p:style>
+          <a:lnRef idx="2">
+            <a:schemeClr val="accent1"/>
+          </a:lnRef>
+          <a:fillRef idx="0">
+            <a:schemeClr val="accent1"/>
+          </a:fillRef>
+          <a:effectRef idx="1">
+            <a:schemeClr val="accent1"/>
+          </a:effectRef>
+          <a:fontRef idx="minor">
+            <a:schemeClr val="tx1"/>
+          </a:fontRef>
+        </p:style>
+      </p:cxnSp>
+      <p:sp>
+        <p:nvSpPr>
+          <p:cNvPr id="13" name="Rechteck 12"/>
+          <p:cNvSpPr/>
+          <p:nvPr/>
+        </p:nvSpPr>
+        <p:spPr>
+          <a:xfrm>
+            <a:off x="395536" y="3789040"/>
+            <a:ext cx="2088232" cy="864096"/>
+          </a:xfrm>
+          <a:prstGeom prst="rect">
+            <a:avLst/>
+          </a:prstGeom>
+          <a:solidFill>
+            <a:srgbClr val="ECF0F1"/>
+          </a:solidFill>
+          <a:ln>
+            <a:solidFill>
+              <a:srgbClr val="BDC3C7"/>
+            </a:solidFill>
+          </a:ln>
+        </p:spPr>
+        <p:style>
+          <a:lnRef idx="2">
+            <a:schemeClr val="accent1">
+              <a:shade val="50000"/>
+            </a:schemeClr>
+          </a:lnRef>
+          <a:fillRef idx="1">
+            <a:schemeClr val="accent1"/>
+          </a:fillRef>
+          <a:effectRef idx="0">
+            <a:schemeClr val="accent1"/>
+          </a:effectRef>
+          <a:fontRef idx="minor">
+            <a:schemeClr val="lt1"/>
+          </a:fontRef>
+        </p:style>
+        <p:txBody>
+          <a:bodyPr rtlCol="0" anchor="t"/>
+          <a:lstStyle/>
+          <a:p>
+            <a:pPr algn="ctr"/>
+            <a:r>
+              <a:rPr lang="de-DE" sz="1200" noProof="1">
+                <a:solidFill>
+                  <a:srgbClr val="BDC3C7"/>
+                </a:solidFill>
+                <a:latin typeface="Arial" panose="020B0604020202020204" pitchFamily="34" charset="0"/>
+                <a:cs typeface="Arial" panose="020B0604020202020204" pitchFamily="34" charset="0"/>
+              </a:rPr>
+              <a:t>BookmarkletPopup</a:t>
+            </a:r>
+            <a:endParaRPr lang="de-DE" sz="1200" noProof="1">
+              <a:solidFill>
+                <a:srgbClr val="BDC3C7"/>
+              </a:solidFill>
+              <a:latin typeface="Arial" panose="020B0604020202020204" pitchFamily="34" charset="0"/>
+              <a:cs typeface="Arial" panose="020B0604020202020204" pitchFamily="34" charset="0"/>
+            </a:endParaRPr>
+          </a:p>
+        </p:txBody>
+      </p:sp>
+      <p:cxnSp>
+        <p:nvCxnSpPr>
+          <p:cNvPr id="14" name="Gerade Verbindung 13"/>
+          <p:cNvCxnSpPr/>
+          <p:nvPr/>
+        </p:nvCxnSpPr>
+        <p:spPr>
+          <a:xfrm>
+            <a:off x="395536" y="4077072"/>
+            <a:ext cx="2088232" cy="0"/>
+          </a:xfrm>
+          <a:prstGeom prst="line">
+            <a:avLst/>
+          </a:prstGeom>
+          <a:ln>
+            <a:solidFill>
+              <a:srgbClr val="BDC3C7"/>
+            </a:solidFill>
+          </a:ln>
+          <a:effectLst/>
+        </p:spPr>
+        <p:style>
+          <a:lnRef idx="2">
+            <a:schemeClr val="accent1"/>
+          </a:lnRef>
+          <a:fillRef idx="0">
+            <a:schemeClr val="accent1"/>
+          </a:fillRef>
+          <a:effectRef idx="1">
+            <a:schemeClr val="accent1"/>
+          </a:effectRef>
+          <a:fontRef idx="minor">
+            <a:schemeClr val="tx1"/>
+          </a:fontRef>
+        </p:style>
+      </p:cxnSp>
+      <p:cxnSp>
+        <p:nvCxnSpPr>
+          <p:cNvPr id="15" name="Gerade Verbindung 14"/>
+          <p:cNvCxnSpPr/>
+          <p:nvPr/>
+        </p:nvCxnSpPr>
+        <p:spPr>
+          <a:xfrm>
+            <a:off x="395536" y="4437112"/>
+            <a:ext cx="2088232" cy="0"/>
+          </a:xfrm>
+          <a:prstGeom prst="line">
+            <a:avLst/>
+          </a:prstGeom>
+          <a:ln>
+            <a:solidFill>
+              <a:srgbClr val="BDC3C7"/>
+            </a:solidFill>
+          </a:ln>
+          <a:effectLst/>
+        </p:spPr>
+        <p:style>
+          <a:lnRef idx="2">
+            <a:schemeClr val="accent1"/>
+          </a:lnRef>
+          <a:fillRef idx="0">
+            <a:schemeClr val="accent1"/>
+          </a:fillRef>
+          <a:effectRef idx="1">
+            <a:schemeClr val="accent1"/>
+          </a:effectRef>
+          <a:fontRef idx="minor">
+            <a:schemeClr val="tx1"/>
+          </a:fontRef>
+        </p:style>
+      </p:cxnSp>
+      <p:sp>
+        <p:nvSpPr>
+          <p:cNvPr id="18" name="Rechteck 17"/>
+          <p:cNvSpPr/>
+          <p:nvPr/>
+        </p:nvSpPr>
+        <p:spPr>
+          <a:xfrm>
+            <a:off x="1619672" y="2708920"/>
+            <a:ext cx="2088232" cy="864096"/>
+          </a:xfrm>
+          <a:prstGeom prst="rect">
+            <a:avLst/>
+          </a:prstGeom>
+          <a:solidFill>
+            <a:srgbClr val="ECF0F1"/>
+          </a:solidFill>
+          <a:ln>
+            <a:solidFill>
+              <a:srgbClr val="BDC3C7"/>
+            </a:solidFill>
+          </a:ln>
+        </p:spPr>
+        <p:style>
+          <a:lnRef idx="2">
+            <a:schemeClr val="accent1">
+              <a:shade val="50000"/>
+            </a:schemeClr>
+          </a:lnRef>
+          <a:fillRef idx="1">
+            <a:schemeClr val="accent1"/>
+          </a:fillRef>
+          <a:effectRef idx="0">
+            <a:schemeClr val="accent1"/>
+          </a:effectRef>
+          <a:fontRef idx="minor">
+            <a:schemeClr val="lt1"/>
+          </a:fontRef>
+        </p:style>
+        <p:txBody>
+          <a:bodyPr rtlCol="0" anchor="t"/>
+          <a:lstStyle/>
+          <a:p>
+            <a:pPr algn="ctr"/>
+            <a:r>
+              <a:rPr lang="de-DE" sz="1200" noProof="1">
+                <a:solidFill>
+                  <a:srgbClr val="BDC3C7"/>
+                </a:solidFill>
+                <a:latin typeface="Arial" panose="020B0604020202020204" pitchFamily="34" charset="0"/>
+                <a:cs typeface="Arial" panose="020B0604020202020204" pitchFamily="34" charset="0"/>
+              </a:rPr>
+              <a:t>ScalePerformanceApi</a:t>
+            </a:r>
+            <a:endParaRPr lang="de-DE" sz="1200" noProof="1">
+              <a:solidFill>
+                <a:srgbClr val="BDC3C7"/>
+              </a:solidFill>
+              <a:latin typeface="Arial" panose="020B0604020202020204" pitchFamily="34" charset="0"/>
+              <a:cs typeface="Arial" panose="020B0604020202020204" pitchFamily="34" charset="0"/>
+            </a:endParaRPr>
+          </a:p>
+        </p:txBody>
+      </p:sp>
+      <p:cxnSp>
+        <p:nvCxnSpPr>
+          <p:cNvPr id="19" name="Gerade Verbindung 18"/>
+          <p:cNvCxnSpPr/>
+          <p:nvPr/>
+        </p:nvCxnSpPr>
+        <p:spPr>
+          <a:xfrm>
+            <a:off x="1619672" y="2996952"/>
+            <a:ext cx="2088232" cy="0"/>
+          </a:xfrm>
+          <a:prstGeom prst="line">
+            <a:avLst/>
+          </a:prstGeom>
+          <a:ln>
+            <a:solidFill>
+              <a:srgbClr val="BDC3C7"/>
+            </a:solidFill>
+          </a:ln>
+          <a:effectLst/>
+        </p:spPr>
+        <p:style>
+          <a:lnRef idx="2">
+            <a:schemeClr val="accent1"/>
+          </a:lnRef>
+          <a:fillRef idx="0">
+            <a:schemeClr val="accent1"/>
+          </a:fillRef>
+          <a:effectRef idx="1">
+            <a:schemeClr val="accent1"/>
+          </a:effectRef>
+          <a:fontRef idx="minor">
+            <a:schemeClr val="tx1"/>
+          </a:fontRef>
+        </p:style>
+      </p:cxnSp>
+      <p:cxnSp>
+        <p:nvCxnSpPr>
+          <p:cNvPr id="20" name="Gerade Verbindung 19"/>
+          <p:cNvCxnSpPr/>
+          <p:nvPr/>
+        </p:nvCxnSpPr>
+        <p:spPr>
+          <a:xfrm>
+            <a:off x="1619672" y="3356992"/>
+            <a:ext cx="2088232" cy="0"/>
+          </a:xfrm>
+          <a:prstGeom prst="line">
+            <a:avLst/>
+          </a:prstGeom>
+          <a:ln>
+            <a:solidFill>
+              <a:srgbClr val="BDC3C7"/>
+            </a:solidFill>
+          </a:ln>
+          <a:effectLst/>
+        </p:spPr>
+        <p:style>
+          <a:lnRef idx="2">
+            <a:schemeClr val="accent1"/>
+          </a:lnRef>
+          <a:fillRef idx="0">
+            <a:schemeClr val="accent1"/>
+          </a:fillRef>
+          <a:effectRef idx="1">
+            <a:schemeClr val="accent1"/>
+          </a:effectRef>
+          <a:fontRef idx="minor">
+            <a:schemeClr val="tx1"/>
+          </a:fontRef>
+        </p:style>
+      </p:cxnSp>
+      <p:sp>
+        <p:nvSpPr>
+          <p:cNvPr id="21" name="Rechteck 20"/>
+          <p:cNvSpPr/>
+          <p:nvPr/>
+        </p:nvSpPr>
+        <p:spPr>
+          <a:xfrm>
+            <a:off x="4644008" y="1484784"/>
+            <a:ext cx="2088232" cy="864096"/>
+          </a:xfrm>
+          <a:prstGeom prst="rect">
+            <a:avLst/>
+          </a:prstGeom>
+          <a:solidFill>
+            <a:srgbClr val="ECF0F1"/>
+          </a:solidFill>
+          <a:ln>
+            <a:solidFill>
+              <a:srgbClr val="BDC3C7"/>
+            </a:solidFill>
+          </a:ln>
+        </p:spPr>
+        <p:style>
+          <a:lnRef idx="2">
+            <a:schemeClr val="accent1">
+              <a:shade val="50000"/>
+            </a:schemeClr>
+          </a:lnRef>
+          <a:fillRef idx="1">
+            <a:schemeClr val="accent1"/>
+          </a:fillRef>
+          <a:effectRef idx="0">
+            <a:schemeClr val="accent1"/>
+          </a:effectRef>
+          <a:fontRef idx="minor">
+            <a:schemeClr val="lt1"/>
+          </a:fontRef>
+        </p:style>
+        <p:txBody>
+          <a:bodyPr rtlCol="0" anchor="t"/>
+          <a:lstStyle/>
+          <a:p>
+            <a:pPr algn="ctr"/>
+            <a:r>
+              <a:rPr lang="de-DE" sz="1200" noProof="1">
+                <a:solidFill>
+                  <a:srgbClr val="BDC3C7"/>
+                </a:solidFill>
+                <a:latin typeface="Arial" panose="020B0604020202020204" pitchFamily="34" charset="0"/>
+                <a:cs typeface="Arial" panose="020B0604020202020204" pitchFamily="34" charset="0"/>
+              </a:rPr>
+              <a:t>BookmarkletReadme</a:t>
+            </a:r>
+            <a:endParaRPr lang="de-DE" sz="1200" noProof="1">
+              <a:solidFill>
+                <a:srgbClr val="BDC3C7"/>
+              </a:solidFill>
+              <a:latin typeface="Arial" panose="020B0604020202020204" pitchFamily="34" charset="0"/>
+              <a:cs typeface="Arial" panose="020B0604020202020204" pitchFamily="34" charset="0"/>
+            </a:endParaRPr>
+          </a:p>
+        </p:txBody>
+      </p:sp>
+      <p:cxnSp>
+        <p:nvCxnSpPr>
+          <p:cNvPr id="22" name="Gerade Verbindung 21"/>
+          <p:cNvCxnSpPr/>
+          <p:nvPr/>
+        </p:nvCxnSpPr>
+        <p:spPr>
+          <a:xfrm>
+            <a:off x="4644008" y="1772816"/>
+            <a:ext cx="2088232" cy="0"/>
+          </a:xfrm>
+          <a:prstGeom prst="line">
+            <a:avLst/>
+          </a:prstGeom>
+          <a:ln>
+            <a:solidFill>
+              <a:srgbClr val="BDC3C7"/>
+            </a:solidFill>
+          </a:ln>
+          <a:effectLst/>
+        </p:spPr>
+        <p:style>
+          <a:lnRef idx="2">
+            <a:schemeClr val="accent1"/>
+          </a:lnRef>
+          <a:fillRef idx="0">
+            <a:schemeClr val="accent1"/>
+          </a:fillRef>
+          <a:effectRef idx="1">
+            <a:schemeClr val="accent1"/>
+          </a:effectRef>
+          <a:fontRef idx="minor">
+            <a:schemeClr val="tx1"/>
+          </a:fontRef>
+        </p:style>
+      </p:cxnSp>
+      <p:cxnSp>
+        <p:nvCxnSpPr>
+          <p:cNvPr id="23" name="Gerade Verbindung 22"/>
+          <p:cNvCxnSpPr/>
+          <p:nvPr/>
+        </p:nvCxnSpPr>
+        <p:spPr>
+          <a:xfrm>
+            <a:off x="4644008" y="2132856"/>
+            <a:ext cx="2088232" cy="0"/>
+          </a:xfrm>
+          <a:prstGeom prst="line">
+            <a:avLst/>
+          </a:prstGeom>
+          <a:ln>
+            <a:solidFill>
+              <a:srgbClr val="BDC3C7"/>
+            </a:solidFill>
+          </a:ln>
+          <a:effectLst/>
+        </p:spPr>
+        <p:style>
+          <a:lnRef idx="2">
+            <a:schemeClr val="accent1"/>
+          </a:lnRef>
+          <a:fillRef idx="0">
+            <a:schemeClr val="accent1"/>
+          </a:fillRef>
+          <a:effectRef idx="1">
+            <a:schemeClr val="accent1"/>
+          </a:effectRef>
+          <a:fontRef idx="minor">
+            <a:schemeClr val="tx1"/>
+          </a:fontRef>
+        </p:style>
+      </p:cxnSp>
+      <p:sp>
+        <p:nvSpPr>
+          <p:cNvPr id="24" name="Rechteck 23"/>
+          <p:cNvSpPr/>
+          <p:nvPr/>
+        </p:nvSpPr>
+        <p:spPr>
+          <a:xfrm>
+            <a:off x="3329862" y="4437112"/>
+            <a:ext cx="2088232" cy="864096"/>
+          </a:xfrm>
+          <a:prstGeom prst="rect">
+            <a:avLst/>
+          </a:prstGeom>
+          <a:solidFill>
+            <a:srgbClr val="ECF0F1"/>
+          </a:solidFill>
+          <a:ln>
+            <a:solidFill>
+              <a:srgbClr val="BDC3C7"/>
+            </a:solidFill>
+          </a:ln>
+        </p:spPr>
+        <p:style>
+          <a:lnRef idx="2">
+            <a:schemeClr val="accent1">
+              <a:shade val="50000"/>
+            </a:schemeClr>
+          </a:lnRef>
+          <a:fillRef idx="1">
+            <a:schemeClr val="accent1"/>
+          </a:fillRef>
+          <a:effectRef idx="0">
+            <a:schemeClr val="accent1"/>
+          </a:effectRef>
+          <a:fontRef idx="minor">
+            <a:schemeClr val="lt1"/>
+          </a:fontRef>
+        </p:style>
+        <p:txBody>
+          <a:bodyPr rtlCol="0" anchor="t"/>
+          <a:lstStyle/>
+          <a:p>
+            <a:pPr algn="ctr"/>
+            <a:r>
+              <a:rPr lang="de-DE" sz="1200" noProof="1" smtClean="0">
+                <a:solidFill>
+                  <a:srgbClr val="BDC3C7"/>
+                </a:solidFill>
+                <a:latin typeface="Arial" panose="020B0604020202020204" pitchFamily="34" charset="0"/>
+                <a:cs typeface="Arial" panose="020B0604020202020204" pitchFamily="34" charset="0"/>
+              </a:rPr>
+              <a:t>„MyTool“</a:t>
+            </a:r>
+            <a:endParaRPr lang="de-DE" sz="1200" noProof="1">
+              <a:solidFill>
+                <a:srgbClr val="BDC3C7"/>
+              </a:solidFill>
+              <a:latin typeface="Arial" panose="020B0604020202020204" pitchFamily="34" charset="0"/>
+              <a:cs typeface="Arial" panose="020B0604020202020204" pitchFamily="34" charset="0"/>
+            </a:endParaRPr>
+          </a:p>
+        </p:txBody>
+      </p:sp>
+      <p:cxnSp>
+        <p:nvCxnSpPr>
+          <p:cNvPr id="25" name="Gerade Verbindung 24"/>
+          <p:cNvCxnSpPr/>
+          <p:nvPr/>
+        </p:nvCxnSpPr>
+        <p:spPr>
+          <a:xfrm>
+            <a:off x="3329862" y="4725144"/>
+            <a:ext cx="2088232" cy="0"/>
+          </a:xfrm>
+          <a:prstGeom prst="line">
+            <a:avLst/>
+          </a:prstGeom>
+          <a:ln>
+            <a:solidFill>
+              <a:srgbClr val="BDC3C7"/>
+            </a:solidFill>
+          </a:ln>
+          <a:effectLst/>
+        </p:spPr>
+        <p:style>
+          <a:lnRef idx="2">
+            <a:schemeClr val="accent1"/>
+          </a:lnRef>
+          <a:fillRef idx="0">
+            <a:schemeClr val="accent1"/>
+          </a:fillRef>
+          <a:effectRef idx="1">
+            <a:schemeClr val="accent1"/>
+          </a:effectRef>
+          <a:fontRef idx="minor">
+            <a:schemeClr val="tx1"/>
+          </a:fontRef>
+        </p:style>
+      </p:cxnSp>
+      <p:cxnSp>
+        <p:nvCxnSpPr>
+          <p:cNvPr id="26" name="Gerade Verbindung 25"/>
+          <p:cNvCxnSpPr/>
+          <p:nvPr/>
+        </p:nvCxnSpPr>
+        <p:spPr>
+          <a:xfrm>
+            <a:off x="3329862" y="5085184"/>
+            <a:ext cx="2088232" cy="0"/>
+          </a:xfrm>
+          <a:prstGeom prst="line">
+            <a:avLst/>
+          </a:prstGeom>
+          <a:ln>
+            <a:solidFill>
+              <a:srgbClr val="BDC3C7"/>
+            </a:solidFill>
+          </a:ln>
+          <a:effectLst/>
+        </p:spPr>
+        <p:style>
+          <a:lnRef idx="2">
+            <a:schemeClr val="accent1"/>
+          </a:lnRef>
+          <a:fillRef idx="0">
+            <a:schemeClr val="accent1"/>
+          </a:fillRef>
+          <a:effectRef idx="1">
+            <a:schemeClr val="accent1"/>
+          </a:effectRef>
+          <a:fontRef idx="minor">
+            <a:schemeClr val="tx1"/>
+          </a:fontRef>
+        </p:style>
+      </p:cxnSp>
+      <p:cxnSp>
+        <p:nvCxnSpPr>
+          <p:cNvPr id="33" name="Gewinkelte Verbindung 32"/>
+          <p:cNvCxnSpPr>
+            <a:stCxn id="7" idx="2"/>
+            <a:endCxn id="13" idx="0"/>
+          </p:cNvCxnSpPr>
+          <p:nvPr/>
+        </p:nvCxnSpPr>
+        <p:spPr>
+          <a:xfrm rot="5400000">
+            <a:off x="1043608" y="2744924"/>
+            <a:ext cx="1440160" cy="648072"/>
+          </a:xfrm>
+          <a:prstGeom prst="bentConnector3">
+            <a:avLst>
+              <a:gd name="adj1" fmla="val 8377"/>
+            </a:avLst>
+          </a:prstGeom>
+          <a:ln>
+            <a:solidFill>
+              <a:srgbClr val="BDC3C7"/>
+            </a:solidFill>
+            <a:tailEnd type="arrow"/>
+          </a:ln>
+          <a:effectLst/>
+        </p:spPr>
+        <p:style>
+          <a:lnRef idx="2">
+            <a:schemeClr val="accent1"/>
+          </a:lnRef>
+          <a:fillRef idx="0">
+            <a:schemeClr val="accent1"/>
+          </a:fillRef>
+          <a:effectRef idx="1">
+            <a:schemeClr val="accent1"/>
+          </a:effectRef>
+          <a:fontRef idx="minor">
+            <a:schemeClr val="tx1"/>
+          </a:fontRef>
+        </p:style>
+      </p:cxnSp>
+      <p:cxnSp>
+        <p:nvCxnSpPr>
+          <p:cNvPr id="37" name="Gewinkelte Verbindung 36"/>
+          <p:cNvCxnSpPr>
+            <a:stCxn id="7" idx="2"/>
+            <a:endCxn id="18" idx="0"/>
+          </p:cNvCxnSpPr>
+          <p:nvPr/>
+        </p:nvCxnSpPr>
+        <p:spPr>
+          <a:xfrm rot="16200000" flipH="1">
+            <a:off x="2195736" y="2240868"/>
+            <a:ext cx="360040" cy="576064"/>
+          </a:xfrm>
+          <a:prstGeom prst="bentConnector3">
+            <a:avLst>
+              <a:gd name="adj1" fmla="val 33069"/>
+            </a:avLst>
+          </a:prstGeom>
+          <a:ln>
+            <a:solidFill>
+              <a:srgbClr val="BDC3C7"/>
+            </a:solidFill>
+            <a:tailEnd type="arrow"/>
+          </a:ln>
+          <a:effectLst/>
+        </p:spPr>
+        <p:style>
+          <a:lnRef idx="2">
+            <a:schemeClr val="accent1"/>
+          </a:lnRef>
+          <a:fillRef idx="0">
+            <a:schemeClr val="accent1"/>
+          </a:fillRef>
+          <a:effectRef idx="1">
+            <a:schemeClr val="accent1"/>
+          </a:effectRef>
+          <a:fontRef idx="minor">
+            <a:schemeClr val="tx1"/>
+          </a:fontRef>
+        </p:style>
+      </p:cxnSp>
+      <p:cxnSp>
+        <p:nvCxnSpPr>
+          <p:cNvPr id="42" name="Gewinkelte Verbindung 41"/>
+          <p:cNvCxnSpPr>
+            <a:stCxn id="7" idx="3"/>
+            <a:endCxn id="21" idx="1"/>
+          </p:cNvCxnSpPr>
+          <p:nvPr/>
+        </p:nvCxnSpPr>
+        <p:spPr>
+          <a:xfrm>
+            <a:off x="3131840" y="1916832"/>
+            <a:ext cx="1512168" cy="12700"/>
+          </a:xfrm>
+          <a:prstGeom prst="bentConnector3">
+            <a:avLst>
+              <a:gd name="adj1" fmla="val 96360"/>
+            </a:avLst>
+          </a:prstGeom>
+          <a:ln>
+            <a:solidFill>
+              <a:srgbClr val="BDC3C7"/>
+            </a:solidFill>
+            <a:tailEnd type="arrow"/>
+          </a:ln>
+          <a:effectLst/>
+        </p:spPr>
+        <p:style>
+          <a:lnRef idx="2">
+            <a:schemeClr val="accent1"/>
+          </a:lnRef>
+          <a:fillRef idx="0">
+            <a:schemeClr val="accent1"/>
+          </a:fillRef>
+          <a:effectRef idx="1">
+            <a:schemeClr val="accent1"/>
+          </a:effectRef>
+          <a:fontRef idx="minor">
+            <a:schemeClr val="tx1"/>
+          </a:fontRef>
+        </p:style>
+      </p:cxnSp>
+      <p:cxnSp>
+        <p:nvCxnSpPr>
+          <p:cNvPr id="49" name="Gewinkelte Verbindung 48"/>
+          <p:cNvCxnSpPr>
+            <a:stCxn id="7" idx="3"/>
+            <a:endCxn id="24" idx="0"/>
+          </p:cNvCxnSpPr>
+          <p:nvPr/>
+        </p:nvCxnSpPr>
+        <p:spPr>
+          <a:xfrm>
+            <a:off x="3131840" y="1916832"/>
+            <a:ext cx="1242138" cy="2520280"/>
+          </a:xfrm>
+          <a:prstGeom prst="bentConnector2">
+            <a:avLst/>
+          </a:prstGeom>
+          <a:ln>
+            <a:solidFill>
+              <a:srgbClr val="BDC3C7"/>
+            </a:solidFill>
+            <a:tailEnd type="arrow"/>
+          </a:ln>
+          <a:effectLst/>
+        </p:spPr>
+        <p:style>
+          <a:lnRef idx="2">
+            <a:schemeClr val="accent1"/>
+          </a:lnRef>
+          <a:fillRef idx="0">
+            <a:schemeClr val="accent1"/>
+          </a:fillRef>
+          <a:effectRef idx="1">
+            <a:schemeClr val="accent1"/>
+          </a:effectRef>
+          <a:fontRef idx="minor">
+            <a:schemeClr val="tx1"/>
+          </a:fontRef>
+        </p:style>
+      </p:cxnSp>
+      <p:cxnSp>
+        <p:nvCxnSpPr>
+          <p:cNvPr id="60" name="Gewinkelte Verbindung 59"/>
+          <p:cNvCxnSpPr>
+            <a:stCxn id="24" idx="1"/>
+            <a:endCxn id="13" idx="3"/>
+          </p:cNvCxnSpPr>
+          <p:nvPr/>
+        </p:nvCxnSpPr>
+        <p:spPr>
+          <a:xfrm rot="10800000">
+            <a:off x="2483768" y="4221088"/>
+            <a:ext cx="846094" cy="648072"/>
+          </a:xfrm>
+          <a:prstGeom prst="bentConnector3">
+            <a:avLst>
+              <a:gd name="adj1" fmla="val 78819"/>
+            </a:avLst>
+          </a:prstGeom>
+          <a:ln>
+            <a:solidFill>
+              <a:srgbClr val="BDC3C7"/>
+            </a:solidFill>
+          </a:ln>
+          <a:effectLst/>
+        </p:spPr>
+        <p:style>
+          <a:lnRef idx="2">
+            <a:schemeClr val="accent1"/>
+          </a:lnRef>
+          <a:fillRef idx="0">
+            <a:schemeClr val="accent1"/>
+          </a:fillRef>
+          <a:effectRef idx="1">
+            <a:schemeClr val="accent1"/>
+          </a:effectRef>
+          <a:fontRef idx="minor">
+            <a:schemeClr val="tx1"/>
+          </a:fontRef>
+        </p:style>
+      </p:cxnSp>
+      <p:cxnSp>
+        <p:nvCxnSpPr>
+          <p:cNvPr id="61" name="Gewinkelte Verbindung 60"/>
+          <p:cNvCxnSpPr>
+            <a:stCxn id="24" idx="1"/>
+            <a:endCxn id="18" idx="2"/>
+          </p:cNvCxnSpPr>
+          <p:nvPr/>
+        </p:nvCxnSpPr>
+        <p:spPr>
+          <a:xfrm rot="10800000">
+            <a:off x="2663788" y="3573016"/>
+            <a:ext cx="666074" cy="1296144"/>
+          </a:xfrm>
+          <a:prstGeom prst="bentConnector2">
+            <a:avLst/>
+          </a:prstGeom>
+          <a:ln>
+            <a:solidFill>
+              <a:srgbClr val="BDC3C7"/>
+            </a:solidFill>
+          </a:ln>
+          <a:effectLst/>
+        </p:spPr>
+        <p:style>
+          <a:lnRef idx="2">
+            <a:schemeClr val="accent1"/>
+          </a:lnRef>
+          <a:fillRef idx="0">
+            <a:schemeClr val="accent1"/>
+          </a:fillRef>
+          <a:effectRef idx="1">
+            <a:schemeClr val="accent1"/>
+          </a:effectRef>
+          <a:fontRef idx="minor">
+            <a:schemeClr val="tx1"/>
+          </a:fontRef>
+        </p:style>
+      </p:cxnSp>
+      <p:sp>
+        <p:nvSpPr>
+          <p:cNvPr id="65" name="Textfeld 64"/>
+          <p:cNvSpPr txBox="1"/>
+          <p:nvPr/>
+        </p:nvSpPr>
+        <p:spPr>
+          <a:xfrm>
+            <a:off x="2627784" y="3542819"/>
+            <a:ext cx="211676" cy="246221"/>
+          </a:xfrm>
+          <a:prstGeom prst="rect">
+            <a:avLst/>
+          </a:prstGeom>
+          <a:noFill/>
+          <a:ln>
+            <a:noFill/>
+          </a:ln>
+        </p:spPr>
+        <p:txBody>
+          <a:bodyPr wrap="square" rtlCol="0">
+            <a:spAutoFit/>
+          </a:bodyPr>
+          <a:lstStyle/>
+          <a:p>
+            <a:r>
+              <a:rPr lang="de-DE" sz="1000" dirty="0" smtClean="0">
+                <a:solidFill>
+                  <a:srgbClr val="BDC3C7"/>
+                </a:solidFill>
+              </a:rPr>
+              <a:t>1</a:t>
+            </a:r>
+            <a:endParaRPr lang="de-DE" sz="1000" dirty="0">
+              <a:solidFill>
+                <a:srgbClr val="BDC3C7"/>
+              </a:solidFill>
+            </a:endParaRPr>
+          </a:p>
+        </p:txBody>
+      </p:sp>
+      <p:sp>
+        <p:nvSpPr>
+          <p:cNvPr id="66" name="Textfeld 65"/>
+          <p:cNvSpPr txBox="1"/>
+          <p:nvPr/>
+        </p:nvSpPr>
+        <p:spPr>
+          <a:xfrm>
+            <a:off x="2449402" y="4189958"/>
+            <a:ext cx="250390" cy="246221"/>
+          </a:xfrm>
+          <a:prstGeom prst="rect">
+            <a:avLst/>
+          </a:prstGeom>
+          <a:noFill/>
+          <a:ln>
+            <a:noFill/>
+          </a:ln>
+        </p:spPr>
+        <p:txBody>
+          <a:bodyPr wrap="none" rtlCol="0">
+            <a:spAutoFit/>
+          </a:bodyPr>
+          <a:lstStyle/>
+          <a:p>
+            <a:r>
+              <a:rPr lang="de-DE" sz="1000" dirty="0" smtClean="0">
+                <a:solidFill>
+                  <a:srgbClr val="BDC3C7"/>
+                </a:solidFill>
+              </a:rPr>
+              <a:t>1</a:t>
+            </a:r>
+            <a:endParaRPr lang="de-DE" sz="1000" dirty="0">
+              <a:solidFill>
+                <a:srgbClr val="BDC3C7"/>
+              </a:solidFill>
+            </a:endParaRPr>
+          </a:p>
+        </p:txBody>
+      </p:sp>
+    </p:spTree>
+    <p:extLst>
+      <p:ext uri="{BB962C8B-B14F-4D97-AF65-F5344CB8AC3E}">
+        <p14:creationId xmlns:p14="http://schemas.microsoft.com/office/powerpoint/2010/main" val="1171399737"/>
+      </p:ext>
+    </p:extLst>
+  </p:cSld>
+  <p:clrMapOvr>
+    <a:masterClrMapping/>
+  </p:clrMapOvr>
+</p:sld>
+</file>
+
+<file path=ppt/slides/slide11.xml><?xml version="1.0" encoding="utf-8"?>
+<p:sld xmlns:a="http://schemas.openxmlformats.org/drawingml/2006/main" xmlns:r="http://schemas.openxmlformats.org/officeDocument/2006/relationships" xmlns:p="http://schemas.openxmlformats.org/presentationml/2006/main">
+  <p:cSld>
+    <p:spTree>
+      <p:nvGrpSpPr>
+        <p:cNvPr id="1" name=""/>
+        <p:cNvGrpSpPr/>
+        <p:nvPr/>
+      </p:nvGrpSpPr>
+      <p:grpSpPr>
+        <a:xfrm>
+          <a:off x="0" y="0"/>
+          <a:ext cx="0" cy="0"/>
+          <a:chOff x="0" y="0"/>
+          <a:chExt cx="0" cy="0"/>
+        </a:xfrm>
+      </p:grpSpPr>
+      <p:sp>
+        <p:nvSpPr>
+          <p:cNvPr id="2" name="Rechteck 1"/>
+          <p:cNvSpPr/>
+          <p:nvPr/>
+        </p:nvSpPr>
+        <p:spPr>
+          <a:xfrm>
+            <a:off x="2906814" y="4869160"/>
+            <a:ext cx="3033338" cy="1512168"/>
+          </a:xfrm>
+          <a:prstGeom prst="rect">
+            <a:avLst/>
+          </a:prstGeom>
+          <a:noFill/>
+          <a:ln w="38100">
+            <a:solidFill>
+              <a:srgbClr val="BDC3C7"/>
+            </a:solidFill>
+          </a:ln>
+        </p:spPr>
+        <p:style>
+          <a:lnRef idx="2">
+            <a:schemeClr val="accent1">
+              <a:shade val="50000"/>
+            </a:schemeClr>
+          </a:lnRef>
+          <a:fillRef idx="1">
+            <a:schemeClr val="accent1"/>
+          </a:fillRef>
+          <a:effectRef idx="0">
+            <a:schemeClr val="accent1"/>
+          </a:effectRef>
+          <a:fontRef idx="minor">
+            <a:schemeClr val="lt1"/>
+          </a:fontRef>
+        </p:style>
+        <p:txBody>
+          <a:bodyPr rtlCol="0" anchor="b"/>
+          <a:lstStyle/>
+          <a:p>
+            <a:pPr algn="r"/>
+            <a:r>
+              <a:rPr lang="de-DE" sz="1200" dirty="0" smtClean="0">
+                <a:solidFill>
+                  <a:srgbClr val="2B2B2B"/>
+                </a:solidFill>
+              </a:rPr>
+              <a:t>„MyTool“.js</a:t>
+            </a:r>
+            <a:endParaRPr lang="de-DE" sz="1200" dirty="0">
+              <a:solidFill>
+                <a:srgbClr val="2B2B2B"/>
+              </a:solidFill>
+            </a:endParaRPr>
+          </a:p>
+        </p:txBody>
+      </p:sp>
+      <p:sp>
+        <p:nvSpPr>
+          <p:cNvPr id="7" name="Rechteck 6"/>
+          <p:cNvSpPr/>
+          <p:nvPr/>
+        </p:nvSpPr>
+        <p:spPr>
+          <a:xfrm>
+            <a:off x="1043608" y="1484784"/>
+            <a:ext cx="2088232" cy="864096"/>
+          </a:xfrm>
+          <a:prstGeom prst="rect">
+            <a:avLst/>
+          </a:prstGeom>
+          <a:solidFill>
+            <a:srgbClr val="1ABC9C"/>
+          </a:solidFill>
+          <a:ln>
+            <a:solidFill>
+              <a:srgbClr val="16A085"/>
+            </a:solidFill>
+          </a:ln>
+        </p:spPr>
+        <p:style>
+          <a:lnRef idx="2">
+            <a:schemeClr val="accent1">
+              <a:shade val="50000"/>
+            </a:schemeClr>
+          </a:lnRef>
+          <a:fillRef idx="1">
+            <a:schemeClr val="accent1"/>
+          </a:fillRef>
+          <a:effectRef idx="0">
+            <a:schemeClr val="accent1"/>
+          </a:effectRef>
+          <a:fontRef idx="minor">
+            <a:schemeClr val="lt1"/>
+          </a:fontRef>
+        </p:style>
+        <p:txBody>
+          <a:bodyPr rtlCol="0" anchor="t"/>
+          <a:lstStyle/>
+          <a:p>
+            <a:pPr algn="ctr"/>
+            <a:r>
+              <a:rPr lang="de-DE" sz="1200" noProof="1" smtClean="0">
+                <a:solidFill>
+                  <a:srgbClr val="2B2B2B"/>
+                </a:solidFill>
+                <a:latin typeface="Arial" panose="020B0604020202020204" pitchFamily="34" charset="0"/>
+                <a:cs typeface="Arial" panose="020B0604020202020204" pitchFamily="34" charset="0"/>
+              </a:rPr>
+              <a:t>ScalePerformanceBarClass</a:t>
+            </a:r>
+            <a:endParaRPr lang="de-DE" sz="1200" noProof="1">
+              <a:solidFill>
+                <a:srgbClr val="2B2B2B"/>
+              </a:solidFill>
+              <a:latin typeface="Arial" panose="020B0604020202020204" pitchFamily="34" charset="0"/>
+              <a:cs typeface="Arial" panose="020B0604020202020204" pitchFamily="34" charset="0"/>
+            </a:endParaRPr>
+          </a:p>
+        </p:txBody>
+      </p:sp>
+      <p:cxnSp>
+        <p:nvCxnSpPr>
+          <p:cNvPr id="11" name="Gerade Verbindung 10"/>
+          <p:cNvCxnSpPr/>
+          <p:nvPr/>
+        </p:nvCxnSpPr>
+        <p:spPr>
+          <a:xfrm>
+            <a:off x="1043608" y="1772816"/>
+            <a:ext cx="2088232" cy="0"/>
+          </a:xfrm>
+          <a:prstGeom prst="line">
+            <a:avLst/>
+          </a:prstGeom>
+          <a:ln>
+            <a:solidFill>
+              <a:srgbClr val="16A085"/>
+            </a:solidFill>
+          </a:ln>
+          <a:effectLst/>
+        </p:spPr>
+        <p:style>
+          <a:lnRef idx="2">
+            <a:schemeClr val="accent1"/>
+          </a:lnRef>
+          <a:fillRef idx="0">
+            <a:schemeClr val="accent1"/>
+          </a:fillRef>
+          <a:effectRef idx="1">
+            <a:schemeClr val="accent1"/>
+          </a:effectRef>
+          <a:fontRef idx="minor">
+            <a:schemeClr val="tx1"/>
+          </a:fontRef>
+        </p:style>
+      </p:cxnSp>
+      <p:cxnSp>
+        <p:nvCxnSpPr>
+          <p:cNvPr id="12" name="Gerade Verbindung 11"/>
+          <p:cNvCxnSpPr/>
+          <p:nvPr/>
+        </p:nvCxnSpPr>
+        <p:spPr>
+          <a:xfrm>
+            <a:off x="1043608" y="2132856"/>
+            <a:ext cx="2088232" cy="0"/>
+          </a:xfrm>
+          <a:prstGeom prst="line">
+            <a:avLst/>
+          </a:prstGeom>
+          <a:ln>
+            <a:solidFill>
+              <a:srgbClr val="16A085"/>
+            </a:solidFill>
+          </a:ln>
+          <a:effectLst/>
+        </p:spPr>
+        <p:style>
+          <a:lnRef idx="2">
+            <a:schemeClr val="accent1"/>
+          </a:lnRef>
+          <a:fillRef idx="0">
+            <a:schemeClr val="accent1"/>
+          </a:fillRef>
+          <a:effectRef idx="1">
+            <a:schemeClr val="accent1"/>
+          </a:effectRef>
+          <a:fontRef idx="minor">
+            <a:schemeClr val="tx1"/>
+          </a:fontRef>
+        </p:style>
+      </p:cxnSp>
+      <p:sp>
+        <p:nvSpPr>
+          <p:cNvPr id="13" name="Rechteck 12"/>
+          <p:cNvSpPr/>
+          <p:nvPr/>
+        </p:nvSpPr>
+        <p:spPr>
+          <a:xfrm>
+            <a:off x="395536" y="3789040"/>
+            <a:ext cx="2088232" cy="864096"/>
+          </a:xfrm>
+          <a:prstGeom prst="rect">
+            <a:avLst/>
+          </a:prstGeom>
+          <a:solidFill>
+            <a:srgbClr val="F0DEB4"/>
+          </a:solidFill>
+          <a:ln>
+            <a:solidFill>
+              <a:srgbClr val="D5C295"/>
+            </a:solidFill>
+          </a:ln>
+        </p:spPr>
+        <p:style>
+          <a:lnRef idx="2">
+            <a:schemeClr val="accent1">
+              <a:shade val="50000"/>
+            </a:schemeClr>
+          </a:lnRef>
+          <a:fillRef idx="1">
+            <a:schemeClr val="accent1"/>
+          </a:fillRef>
+          <a:effectRef idx="0">
+            <a:schemeClr val="accent1"/>
+          </a:effectRef>
+          <a:fontRef idx="minor">
+            <a:schemeClr val="lt1"/>
+          </a:fontRef>
+        </p:style>
+        <p:txBody>
+          <a:bodyPr rtlCol="0" anchor="t"/>
+          <a:lstStyle/>
+          <a:p>
+            <a:pPr algn="ctr"/>
+            <a:r>
+              <a:rPr lang="de-DE" sz="1200" noProof="1">
+                <a:solidFill>
+                  <a:srgbClr val="2B2B2B"/>
+                </a:solidFill>
+                <a:latin typeface="Arial" panose="020B0604020202020204" pitchFamily="34" charset="0"/>
+                <a:cs typeface="Arial" panose="020B0604020202020204" pitchFamily="34" charset="0"/>
+              </a:rPr>
+              <a:t>BookmarkletPopup</a:t>
+            </a:r>
+            <a:endParaRPr lang="de-DE" sz="1200" noProof="1">
+              <a:solidFill>
+                <a:srgbClr val="2B2B2B"/>
+              </a:solidFill>
+              <a:latin typeface="Arial" panose="020B0604020202020204" pitchFamily="34" charset="0"/>
+              <a:cs typeface="Arial" panose="020B0604020202020204" pitchFamily="34" charset="0"/>
+            </a:endParaRPr>
+          </a:p>
+        </p:txBody>
+      </p:sp>
+      <p:cxnSp>
+        <p:nvCxnSpPr>
+          <p:cNvPr id="14" name="Gerade Verbindung 13"/>
+          <p:cNvCxnSpPr/>
+          <p:nvPr/>
+        </p:nvCxnSpPr>
+        <p:spPr>
+          <a:xfrm>
+            <a:off x="395536" y="4077072"/>
+            <a:ext cx="2088232" cy="0"/>
+          </a:xfrm>
+          <a:prstGeom prst="line">
+            <a:avLst/>
+          </a:prstGeom>
+          <a:ln>
+            <a:solidFill>
+              <a:srgbClr val="D5C295"/>
+            </a:solidFill>
+          </a:ln>
+          <a:effectLst/>
+        </p:spPr>
+        <p:style>
+          <a:lnRef idx="2">
+            <a:schemeClr val="accent1"/>
+          </a:lnRef>
+          <a:fillRef idx="0">
+            <a:schemeClr val="accent1"/>
+          </a:fillRef>
+          <a:effectRef idx="1">
+            <a:schemeClr val="accent1"/>
+          </a:effectRef>
+          <a:fontRef idx="minor">
+            <a:schemeClr val="tx1"/>
+          </a:fontRef>
+        </p:style>
+      </p:cxnSp>
+      <p:cxnSp>
+        <p:nvCxnSpPr>
+          <p:cNvPr id="15" name="Gerade Verbindung 14"/>
+          <p:cNvCxnSpPr/>
+          <p:nvPr/>
+        </p:nvCxnSpPr>
+        <p:spPr>
+          <a:xfrm>
+            <a:off x="395536" y="4437112"/>
+            <a:ext cx="2088232" cy="0"/>
+          </a:xfrm>
+          <a:prstGeom prst="line">
+            <a:avLst/>
+          </a:prstGeom>
+          <a:ln>
+            <a:solidFill>
+              <a:srgbClr val="D5C295"/>
+            </a:solidFill>
+          </a:ln>
+          <a:effectLst/>
+        </p:spPr>
+        <p:style>
+          <a:lnRef idx="2">
+            <a:schemeClr val="accent1"/>
+          </a:lnRef>
+          <a:fillRef idx="0">
+            <a:schemeClr val="accent1"/>
+          </a:fillRef>
+          <a:effectRef idx="1">
+            <a:schemeClr val="accent1"/>
+          </a:effectRef>
+          <a:fontRef idx="minor">
+            <a:schemeClr val="tx1"/>
+          </a:fontRef>
+        </p:style>
+      </p:cxnSp>
+      <p:sp>
+        <p:nvSpPr>
+          <p:cNvPr id="18" name="Rechteck 17"/>
+          <p:cNvSpPr/>
+          <p:nvPr/>
+        </p:nvSpPr>
+        <p:spPr>
+          <a:xfrm>
+            <a:off x="1619672" y="2708920"/>
+            <a:ext cx="2088232" cy="864096"/>
+          </a:xfrm>
+          <a:prstGeom prst="rect">
+            <a:avLst/>
+          </a:prstGeom>
+          <a:solidFill>
+            <a:srgbClr val="F0DEB4"/>
+          </a:solidFill>
+          <a:ln>
+            <a:solidFill>
+              <a:srgbClr val="D5C295"/>
+            </a:solidFill>
+          </a:ln>
+        </p:spPr>
+        <p:style>
+          <a:lnRef idx="2">
+            <a:schemeClr val="accent1">
+              <a:shade val="50000"/>
+            </a:schemeClr>
+          </a:lnRef>
+          <a:fillRef idx="1">
+            <a:schemeClr val="accent1"/>
+          </a:fillRef>
+          <a:effectRef idx="0">
+            <a:schemeClr val="accent1"/>
+          </a:effectRef>
+          <a:fontRef idx="minor">
+            <a:schemeClr val="lt1"/>
+          </a:fontRef>
+        </p:style>
+        <p:txBody>
+          <a:bodyPr rtlCol="0" anchor="t"/>
+          <a:lstStyle/>
+          <a:p>
+            <a:pPr algn="ctr"/>
+            <a:r>
+              <a:rPr lang="de-DE" sz="1200" noProof="1">
+                <a:solidFill>
+                  <a:srgbClr val="2B2B2B"/>
+                </a:solidFill>
+                <a:latin typeface="Arial" panose="020B0604020202020204" pitchFamily="34" charset="0"/>
+                <a:cs typeface="Arial" panose="020B0604020202020204" pitchFamily="34" charset="0"/>
+              </a:rPr>
+              <a:t>ScalePerformanceApi</a:t>
+            </a:r>
+            <a:endParaRPr lang="de-DE" sz="1200" noProof="1">
+              <a:solidFill>
+                <a:srgbClr val="2B2B2B"/>
+              </a:solidFill>
+              <a:latin typeface="Arial" panose="020B0604020202020204" pitchFamily="34" charset="0"/>
+              <a:cs typeface="Arial" panose="020B0604020202020204" pitchFamily="34" charset="0"/>
+            </a:endParaRPr>
+          </a:p>
+        </p:txBody>
+      </p:sp>
+      <p:cxnSp>
+        <p:nvCxnSpPr>
+          <p:cNvPr id="19" name="Gerade Verbindung 18"/>
+          <p:cNvCxnSpPr/>
+          <p:nvPr/>
+        </p:nvCxnSpPr>
+        <p:spPr>
+          <a:xfrm>
+            <a:off x="1619672" y="2996952"/>
+            <a:ext cx="2088232" cy="0"/>
+          </a:xfrm>
+          <a:prstGeom prst="line">
+            <a:avLst/>
+          </a:prstGeom>
+          <a:ln>
+            <a:solidFill>
+              <a:srgbClr val="D5C295"/>
+            </a:solidFill>
+          </a:ln>
+          <a:effectLst/>
+        </p:spPr>
+        <p:style>
+          <a:lnRef idx="2">
+            <a:schemeClr val="accent1"/>
+          </a:lnRef>
+          <a:fillRef idx="0">
+            <a:schemeClr val="accent1"/>
+          </a:fillRef>
+          <a:effectRef idx="1">
+            <a:schemeClr val="accent1"/>
+          </a:effectRef>
+          <a:fontRef idx="minor">
+            <a:schemeClr val="tx1"/>
+          </a:fontRef>
+        </p:style>
+      </p:cxnSp>
+      <p:cxnSp>
+        <p:nvCxnSpPr>
+          <p:cNvPr id="20" name="Gerade Verbindung 19"/>
+          <p:cNvCxnSpPr/>
+          <p:nvPr/>
+        </p:nvCxnSpPr>
+        <p:spPr>
+          <a:xfrm>
+            <a:off x="1619672" y="3356992"/>
+            <a:ext cx="2088232" cy="0"/>
+          </a:xfrm>
+          <a:prstGeom prst="line">
+            <a:avLst/>
+          </a:prstGeom>
+          <a:ln>
+            <a:solidFill>
+              <a:srgbClr val="D5C295"/>
+            </a:solidFill>
+          </a:ln>
+          <a:effectLst/>
+        </p:spPr>
+        <p:style>
+          <a:lnRef idx="2">
+            <a:schemeClr val="accent1"/>
+          </a:lnRef>
+          <a:fillRef idx="0">
+            <a:schemeClr val="accent1"/>
+          </a:fillRef>
+          <a:effectRef idx="1">
+            <a:schemeClr val="accent1"/>
+          </a:effectRef>
+          <a:fontRef idx="minor">
+            <a:schemeClr val="tx1"/>
+          </a:fontRef>
+        </p:style>
+      </p:cxnSp>
+      <p:sp>
+        <p:nvSpPr>
+          <p:cNvPr id="21" name="Rechteck 20"/>
+          <p:cNvSpPr/>
+          <p:nvPr/>
+        </p:nvSpPr>
+        <p:spPr>
+          <a:xfrm>
+            <a:off x="4644008" y="1484784"/>
+            <a:ext cx="2088232" cy="864096"/>
+          </a:xfrm>
+          <a:prstGeom prst="rect">
+            <a:avLst/>
+          </a:prstGeom>
+          <a:solidFill>
+            <a:srgbClr val="F0DEB4"/>
+          </a:solidFill>
+          <a:ln>
+            <a:solidFill>
+              <a:srgbClr val="D5C295"/>
+            </a:solidFill>
+          </a:ln>
+        </p:spPr>
+        <p:style>
+          <a:lnRef idx="2">
+            <a:schemeClr val="accent1">
+              <a:shade val="50000"/>
+            </a:schemeClr>
+          </a:lnRef>
+          <a:fillRef idx="1">
+            <a:schemeClr val="accent1"/>
+          </a:fillRef>
+          <a:effectRef idx="0">
+            <a:schemeClr val="accent1"/>
+          </a:effectRef>
+          <a:fontRef idx="minor">
+            <a:schemeClr val="lt1"/>
+          </a:fontRef>
+        </p:style>
+        <p:txBody>
+          <a:bodyPr rtlCol="0" anchor="t"/>
+          <a:lstStyle/>
+          <a:p>
+            <a:pPr algn="ctr"/>
+            <a:r>
+              <a:rPr lang="de-DE" sz="1200" noProof="1">
+                <a:solidFill>
+                  <a:srgbClr val="2B2B2B"/>
+                </a:solidFill>
+                <a:latin typeface="Arial" panose="020B0604020202020204" pitchFamily="34" charset="0"/>
+                <a:cs typeface="Arial" panose="020B0604020202020204" pitchFamily="34" charset="0"/>
+              </a:rPr>
+              <a:t>BookmarkletReadme</a:t>
+            </a:r>
+            <a:endParaRPr lang="de-DE" sz="1200" noProof="1">
+              <a:solidFill>
+                <a:srgbClr val="2B2B2B"/>
+              </a:solidFill>
+              <a:latin typeface="Arial" panose="020B0604020202020204" pitchFamily="34" charset="0"/>
+              <a:cs typeface="Arial" panose="020B0604020202020204" pitchFamily="34" charset="0"/>
+            </a:endParaRPr>
+          </a:p>
+        </p:txBody>
+      </p:sp>
+      <p:cxnSp>
+        <p:nvCxnSpPr>
+          <p:cNvPr id="22" name="Gerade Verbindung 21"/>
+          <p:cNvCxnSpPr/>
+          <p:nvPr/>
+        </p:nvCxnSpPr>
+        <p:spPr>
+          <a:xfrm>
+            <a:off x="4644008" y="1772816"/>
+            <a:ext cx="2088232" cy="0"/>
+          </a:xfrm>
+          <a:prstGeom prst="line">
+            <a:avLst/>
+          </a:prstGeom>
+          <a:ln>
+            <a:solidFill>
+              <a:srgbClr val="D5C295"/>
+            </a:solidFill>
+          </a:ln>
+          <a:effectLst/>
+        </p:spPr>
+        <p:style>
+          <a:lnRef idx="2">
+            <a:schemeClr val="accent1"/>
+          </a:lnRef>
+          <a:fillRef idx="0">
+            <a:schemeClr val="accent1"/>
+          </a:fillRef>
+          <a:effectRef idx="1">
+            <a:schemeClr val="accent1"/>
+          </a:effectRef>
+          <a:fontRef idx="minor">
+            <a:schemeClr val="tx1"/>
+          </a:fontRef>
+        </p:style>
+      </p:cxnSp>
+      <p:cxnSp>
+        <p:nvCxnSpPr>
+          <p:cNvPr id="23" name="Gerade Verbindung 22"/>
+          <p:cNvCxnSpPr/>
+          <p:nvPr/>
+        </p:nvCxnSpPr>
+        <p:spPr>
+          <a:xfrm>
+            <a:off x="4644008" y="2132856"/>
+            <a:ext cx="2088232" cy="0"/>
+          </a:xfrm>
+          <a:prstGeom prst="line">
+            <a:avLst/>
+          </a:prstGeom>
+          <a:ln>
+            <a:solidFill>
+              <a:srgbClr val="D5C295"/>
+            </a:solidFill>
+          </a:ln>
+          <a:effectLst/>
+        </p:spPr>
+        <p:style>
+          <a:lnRef idx="2">
+            <a:schemeClr val="accent1"/>
+          </a:lnRef>
+          <a:fillRef idx="0">
+            <a:schemeClr val="accent1"/>
+          </a:fillRef>
+          <a:effectRef idx="1">
+            <a:schemeClr val="accent1"/>
+          </a:effectRef>
+          <a:fontRef idx="minor">
+            <a:schemeClr val="tx1"/>
+          </a:fontRef>
+        </p:style>
+      </p:cxnSp>
+      <p:sp>
+        <p:nvSpPr>
+          <p:cNvPr id="24" name="Rechteck 23"/>
+          <p:cNvSpPr/>
+          <p:nvPr/>
+        </p:nvSpPr>
+        <p:spPr>
+          <a:xfrm>
+            <a:off x="3329862" y="5085184"/>
+            <a:ext cx="2088232" cy="864096"/>
+          </a:xfrm>
+          <a:prstGeom prst="rect">
+            <a:avLst/>
+          </a:prstGeom>
+          <a:solidFill>
+            <a:srgbClr val="B8C9F1"/>
+          </a:solidFill>
+          <a:ln>
+            <a:solidFill>
+              <a:srgbClr val="99ABD5"/>
+            </a:solidFill>
+          </a:ln>
+        </p:spPr>
+        <p:style>
+          <a:lnRef idx="2">
+            <a:schemeClr val="accent1">
+              <a:shade val="50000"/>
+            </a:schemeClr>
+          </a:lnRef>
+          <a:fillRef idx="1">
+            <a:schemeClr val="accent1"/>
+          </a:fillRef>
+          <a:effectRef idx="0">
+            <a:schemeClr val="accent1"/>
+          </a:effectRef>
+          <a:fontRef idx="minor">
+            <a:schemeClr val="lt1"/>
+          </a:fontRef>
+        </p:style>
+        <p:txBody>
+          <a:bodyPr rtlCol="0" anchor="t"/>
+          <a:lstStyle/>
+          <a:p>
+            <a:pPr algn="ctr"/>
+            <a:r>
+              <a:rPr lang="de-DE" sz="1200" noProof="1" smtClean="0">
+                <a:solidFill>
+                  <a:srgbClr val="2B2B2B"/>
+                </a:solidFill>
+                <a:latin typeface="Arial" panose="020B0604020202020204" pitchFamily="34" charset="0"/>
+                <a:cs typeface="Arial" panose="020B0604020202020204" pitchFamily="34" charset="0"/>
+              </a:rPr>
+              <a:t>„MyTool“</a:t>
+            </a:r>
+            <a:endParaRPr lang="de-DE" sz="1200" noProof="1">
+              <a:solidFill>
+                <a:srgbClr val="2B2B2B"/>
+              </a:solidFill>
+              <a:latin typeface="Arial" panose="020B0604020202020204" pitchFamily="34" charset="0"/>
+              <a:cs typeface="Arial" panose="020B0604020202020204" pitchFamily="34" charset="0"/>
+            </a:endParaRPr>
+          </a:p>
+        </p:txBody>
+      </p:sp>
+      <p:cxnSp>
+        <p:nvCxnSpPr>
+          <p:cNvPr id="25" name="Gerade Verbindung 24"/>
+          <p:cNvCxnSpPr/>
+          <p:nvPr/>
+        </p:nvCxnSpPr>
+        <p:spPr>
+          <a:xfrm>
+            <a:off x="3329862" y="5373216"/>
+            <a:ext cx="2088232" cy="0"/>
+          </a:xfrm>
+          <a:prstGeom prst="line">
+            <a:avLst/>
+          </a:prstGeom>
+          <a:ln>
+            <a:solidFill>
+              <a:srgbClr val="99ABD5"/>
+            </a:solidFill>
+          </a:ln>
+          <a:effectLst/>
+        </p:spPr>
+        <p:style>
+          <a:lnRef idx="2">
+            <a:schemeClr val="accent1"/>
+          </a:lnRef>
+          <a:fillRef idx="0">
+            <a:schemeClr val="accent1"/>
+          </a:fillRef>
+          <a:effectRef idx="1">
+            <a:schemeClr val="accent1"/>
+          </a:effectRef>
+          <a:fontRef idx="minor">
+            <a:schemeClr val="tx1"/>
+          </a:fontRef>
+        </p:style>
+      </p:cxnSp>
+      <p:cxnSp>
+        <p:nvCxnSpPr>
+          <p:cNvPr id="26" name="Gerade Verbindung 25"/>
+          <p:cNvCxnSpPr/>
+          <p:nvPr/>
+        </p:nvCxnSpPr>
+        <p:spPr>
+          <a:xfrm>
+            <a:off x="3329862" y="5733256"/>
+            <a:ext cx="2088232" cy="0"/>
+          </a:xfrm>
+          <a:prstGeom prst="line">
+            <a:avLst/>
+          </a:prstGeom>
+          <a:ln>
+            <a:solidFill>
+              <a:srgbClr val="99ABD5"/>
+            </a:solidFill>
+          </a:ln>
+          <a:effectLst/>
+        </p:spPr>
+        <p:style>
+          <a:lnRef idx="2">
+            <a:schemeClr val="accent1"/>
+          </a:lnRef>
+          <a:fillRef idx="0">
+            <a:schemeClr val="accent1"/>
+          </a:fillRef>
+          <a:effectRef idx="1">
+            <a:schemeClr val="accent1"/>
+          </a:effectRef>
+          <a:fontRef idx="minor">
+            <a:schemeClr val="tx1"/>
+          </a:fontRef>
+        </p:style>
+      </p:cxnSp>
+      <p:cxnSp>
+        <p:nvCxnSpPr>
+          <p:cNvPr id="33" name="Gewinkelte Verbindung 32"/>
+          <p:cNvCxnSpPr>
+            <a:stCxn id="7" idx="2"/>
+            <a:endCxn id="13" idx="0"/>
+          </p:cNvCxnSpPr>
+          <p:nvPr/>
+        </p:nvCxnSpPr>
+        <p:spPr>
+          <a:xfrm rot="5400000">
+            <a:off x="1043608" y="2744924"/>
+            <a:ext cx="1440160" cy="648072"/>
+          </a:xfrm>
+          <a:prstGeom prst="bentConnector3">
+            <a:avLst>
+              <a:gd name="adj1" fmla="val 8377"/>
+            </a:avLst>
+          </a:prstGeom>
+          <a:ln>
+            <a:solidFill>
+              <a:srgbClr val="2B2B2B"/>
+            </a:solidFill>
+            <a:tailEnd type="arrow"/>
+          </a:ln>
+          <a:effectLst/>
+        </p:spPr>
+        <p:style>
+          <a:lnRef idx="2">
+            <a:schemeClr val="accent1"/>
+          </a:lnRef>
+          <a:fillRef idx="0">
+            <a:schemeClr val="accent1"/>
+          </a:fillRef>
+          <a:effectRef idx="1">
+            <a:schemeClr val="accent1"/>
+          </a:effectRef>
+          <a:fontRef idx="minor">
+            <a:schemeClr val="tx1"/>
+          </a:fontRef>
+        </p:style>
+      </p:cxnSp>
+      <p:cxnSp>
+        <p:nvCxnSpPr>
+          <p:cNvPr id="37" name="Gewinkelte Verbindung 36"/>
+          <p:cNvCxnSpPr>
+            <a:stCxn id="7" idx="2"/>
+            <a:endCxn id="18" idx="0"/>
+          </p:cNvCxnSpPr>
+          <p:nvPr/>
+        </p:nvCxnSpPr>
+        <p:spPr>
+          <a:xfrm rot="16200000" flipH="1">
+            <a:off x="2195736" y="2240868"/>
+            <a:ext cx="360040" cy="576064"/>
+          </a:xfrm>
+          <a:prstGeom prst="bentConnector3">
+            <a:avLst>
+              <a:gd name="adj1" fmla="val 33069"/>
+            </a:avLst>
+          </a:prstGeom>
+          <a:ln>
+            <a:solidFill>
+              <a:srgbClr val="2B2B2B"/>
+            </a:solidFill>
+            <a:tailEnd type="arrow"/>
+          </a:ln>
+          <a:effectLst/>
+        </p:spPr>
+        <p:style>
+          <a:lnRef idx="2">
+            <a:schemeClr val="accent1"/>
+          </a:lnRef>
+          <a:fillRef idx="0">
+            <a:schemeClr val="accent1"/>
+          </a:fillRef>
+          <a:effectRef idx="1">
+            <a:schemeClr val="accent1"/>
+          </a:effectRef>
+          <a:fontRef idx="minor">
+            <a:schemeClr val="tx1"/>
+          </a:fontRef>
+        </p:style>
+      </p:cxnSp>
+      <p:cxnSp>
+        <p:nvCxnSpPr>
+          <p:cNvPr id="42" name="Gewinkelte Verbindung 41"/>
+          <p:cNvCxnSpPr>
+            <a:stCxn id="7" idx="3"/>
+            <a:endCxn id="21" idx="1"/>
+          </p:cNvCxnSpPr>
+          <p:nvPr/>
+        </p:nvCxnSpPr>
+        <p:spPr>
+          <a:xfrm>
+            <a:off x="3131840" y="1916832"/>
+            <a:ext cx="1512168" cy="12700"/>
+          </a:xfrm>
+          <a:prstGeom prst="bentConnector3">
+            <a:avLst>
+              <a:gd name="adj1" fmla="val 96360"/>
+            </a:avLst>
+          </a:prstGeom>
+          <a:ln>
+            <a:solidFill>
+              <a:srgbClr val="2B2B2B"/>
+            </a:solidFill>
+            <a:tailEnd type="arrow"/>
+          </a:ln>
+          <a:effectLst/>
+        </p:spPr>
+        <p:style>
+          <a:lnRef idx="2">
+            <a:schemeClr val="accent1"/>
+          </a:lnRef>
+          <a:fillRef idx="0">
+            <a:schemeClr val="accent1"/>
+          </a:fillRef>
+          <a:effectRef idx="1">
+            <a:schemeClr val="accent1"/>
+          </a:effectRef>
+          <a:fontRef idx="minor">
+            <a:schemeClr val="tx1"/>
+          </a:fontRef>
+        </p:style>
+      </p:cxnSp>
+      <p:cxnSp>
+        <p:nvCxnSpPr>
+          <p:cNvPr id="49" name="Gewinkelte Verbindung 48"/>
+          <p:cNvCxnSpPr>
+            <a:stCxn id="7" idx="3"/>
+            <a:endCxn id="24" idx="0"/>
+          </p:cNvCxnSpPr>
+          <p:nvPr/>
+        </p:nvCxnSpPr>
+        <p:spPr>
+          <a:xfrm>
+            <a:off x="3131840" y="1916832"/>
+            <a:ext cx="1242138" cy="3168352"/>
+          </a:xfrm>
+          <a:prstGeom prst="bentConnector2">
+            <a:avLst/>
+          </a:prstGeom>
+          <a:ln>
+            <a:solidFill>
+              <a:srgbClr val="2B2B2B"/>
+            </a:solidFill>
+            <a:tailEnd type="arrow"/>
+          </a:ln>
+          <a:effectLst/>
+        </p:spPr>
+        <p:style>
+          <a:lnRef idx="2">
+            <a:schemeClr val="accent1"/>
+          </a:lnRef>
+          <a:fillRef idx="0">
+            <a:schemeClr val="accent1"/>
+          </a:fillRef>
+          <a:effectRef idx="1">
+            <a:schemeClr val="accent1"/>
+          </a:effectRef>
+          <a:fontRef idx="minor">
+            <a:schemeClr val="tx1"/>
+          </a:fontRef>
+        </p:style>
+      </p:cxnSp>
+      <p:cxnSp>
+        <p:nvCxnSpPr>
+          <p:cNvPr id="60" name="Gewinkelte Verbindung 59"/>
+          <p:cNvCxnSpPr>
+            <a:stCxn id="24" idx="1"/>
+            <a:endCxn id="13" idx="3"/>
+          </p:cNvCxnSpPr>
+          <p:nvPr/>
+        </p:nvCxnSpPr>
+        <p:spPr>
+          <a:xfrm rot="10800000">
+            <a:off x="2483768" y="4221088"/>
+            <a:ext cx="846094" cy="1296144"/>
+          </a:xfrm>
+          <a:prstGeom prst="bentConnector3">
+            <a:avLst>
+              <a:gd name="adj1" fmla="val 80096"/>
+            </a:avLst>
+          </a:prstGeom>
+          <a:ln>
+            <a:solidFill>
+              <a:srgbClr val="2B2B2B"/>
+            </a:solidFill>
+          </a:ln>
+          <a:effectLst/>
+        </p:spPr>
+        <p:style>
+          <a:lnRef idx="2">
+            <a:schemeClr val="accent1"/>
+          </a:lnRef>
+          <a:fillRef idx="0">
+            <a:schemeClr val="accent1"/>
+          </a:fillRef>
+          <a:effectRef idx="1">
+            <a:schemeClr val="accent1"/>
+          </a:effectRef>
+          <a:fontRef idx="minor">
+            <a:schemeClr val="tx1"/>
+          </a:fontRef>
+        </p:style>
+      </p:cxnSp>
+      <p:cxnSp>
+        <p:nvCxnSpPr>
+          <p:cNvPr id="61" name="Gewinkelte Verbindung 60"/>
+          <p:cNvCxnSpPr>
+            <a:stCxn id="24" idx="1"/>
+            <a:endCxn id="18" idx="2"/>
+          </p:cNvCxnSpPr>
+          <p:nvPr/>
+        </p:nvCxnSpPr>
+        <p:spPr>
+          <a:xfrm rot="10800000">
+            <a:off x="2663788" y="3573016"/>
+            <a:ext cx="666074" cy="1944216"/>
+          </a:xfrm>
+          <a:prstGeom prst="bentConnector2">
+            <a:avLst/>
+          </a:prstGeom>
+          <a:ln>
+            <a:solidFill>
+              <a:srgbClr val="2B2B2B"/>
+            </a:solidFill>
+          </a:ln>
+          <a:effectLst/>
+        </p:spPr>
+        <p:style>
+          <a:lnRef idx="2">
+            <a:schemeClr val="accent1"/>
+          </a:lnRef>
+          <a:fillRef idx="0">
+            <a:schemeClr val="accent1"/>
+          </a:fillRef>
+          <a:effectRef idx="1">
+            <a:schemeClr val="accent1"/>
+          </a:effectRef>
+          <a:fontRef idx="minor">
+            <a:schemeClr val="tx1"/>
+          </a:fontRef>
+        </p:style>
+      </p:cxnSp>
+      <p:sp>
+        <p:nvSpPr>
+          <p:cNvPr id="65" name="Textfeld 64"/>
+          <p:cNvSpPr txBox="1"/>
+          <p:nvPr/>
+        </p:nvSpPr>
+        <p:spPr>
+          <a:xfrm>
+            <a:off x="2627784" y="3542819"/>
+            <a:ext cx="211676" cy="246221"/>
+          </a:xfrm>
+          <a:prstGeom prst="rect">
+            <a:avLst/>
+          </a:prstGeom>
+          <a:noFill/>
+        </p:spPr>
+        <p:txBody>
+          <a:bodyPr wrap="square" rtlCol="0">
+            <a:spAutoFit/>
+          </a:bodyPr>
+          <a:lstStyle/>
+          <a:p>
+            <a:r>
+              <a:rPr lang="de-DE" sz="1000" dirty="0" smtClean="0">
+                <a:solidFill>
+                  <a:srgbClr val="2B2B2B"/>
+                </a:solidFill>
+              </a:rPr>
+              <a:t>1</a:t>
+            </a:r>
+            <a:endParaRPr lang="de-DE" sz="1000" dirty="0">
+              <a:solidFill>
+                <a:srgbClr val="2B2B2B"/>
+              </a:solidFill>
+            </a:endParaRPr>
+          </a:p>
+        </p:txBody>
+      </p:sp>
+      <p:sp>
+        <p:nvSpPr>
+          <p:cNvPr id="66" name="Textfeld 65"/>
+          <p:cNvSpPr txBox="1"/>
+          <p:nvPr/>
+        </p:nvSpPr>
+        <p:spPr>
+          <a:xfrm>
+            <a:off x="2449402" y="4189958"/>
+            <a:ext cx="250390" cy="246221"/>
+          </a:xfrm>
+          <a:prstGeom prst="rect">
+            <a:avLst/>
+          </a:prstGeom>
+          <a:noFill/>
+        </p:spPr>
+        <p:txBody>
+          <a:bodyPr wrap="none" rtlCol="0">
+            <a:spAutoFit/>
+          </a:bodyPr>
+          <a:lstStyle/>
+          <a:p>
+            <a:r>
+              <a:rPr lang="de-DE" sz="1000" dirty="0" smtClean="0">
+                <a:solidFill>
+                  <a:srgbClr val="2B2B2B"/>
+                </a:solidFill>
+              </a:rPr>
+              <a:t>1</a:t>
+            </a:r>
+            <a:endParaRPr lang="de-DE" sz="1000" dirty="0">
+              <a:solidFill>
+                <a:srgbClr val="2B2B2B"/>
+              </a:solidFill>
+            </a:endParaRPr>
+          </a:p>
+        </p:txBody>
+      </p:sp>
+      <p:sp>
+        <p:nvSpPr>
+          <p:cNvPr id="27" name="Rechteck 26"/>
+          <p:cNvSpPr/>
+          <p:nvPr/>
+        </p:nvSpPr>
+        <p:spPr>
+          <a:xfrm>
+            <a:off x="323528" y="908720"/>
+            <a:ext cx="6552727" cy="3816423"/>
+          </a:xfrm>
+          <a:prstGeom prst="rect">
+            <a:avLst/>
+          </a:prstGeom>
+          <a:noFill/>
+          <a:ln w="38100">
+            <a:solidFill>
+              <a:srgbClr val="BDC3C7"/>
+            </a:solidFill>
+          </a:ln>
+        </p:spPr>
+        <p:style>
+          <a:lnRef idx="2">
+            <a:schemeClr val="accent1">
+              <a:shade val="50000"/>
+            </a:schemeClr>
+          </a:lnRef>
+          <a:fillRef idx="1">
+            <a:schemeClr val="accent1"/>
+          </a:fillRef>
+          <a:effectRef idx="0">
+            <a:schemeClr val="accent1"/>
+          </a:effectRef>
+          <a:fontRef idx="minor">
+            <a:schemeClr val="lt1"/>
+          </a:fontRef>
+        </p:style>
+        <p:txBody>
+          <a:bodyPr rtlCol="0" anchor="t"/>
+          <a:lstStyle/>
+          <a:p>
+            <a:r>
+              <a:rPr lang="de-DE" sz="1200" dirty="0">
+                <a:solidFill>
+                  <a:srgbClr val="2B2B2B"/>
+                </a:solidFill>
+              </a:rPr>
+              <a:t>perf-bookmarklet.js</a:t>
+            </a:r>
+          </a:p>
+        </p:txBody>
+      </p:sp>
+    </p:spTree>
+    <p:extLst>
+      <p:ext uri="{BB962C8B-B14F-4D97-AF65-F5344CB8AC3E}">
+        <p14:creationId xmlns:p14="http://schemas.microsoft.com/office/powerpoint/2010/main" val="2905020488"/>
+      </p:ext>
+    </p:extLst>
+  </p:cSld>
+  <p:clrMapOvr>
+    <a:masterClrMapping/>
+  </p:clrMapOvr>
+</p:sld>
+</file>
+
+<file path=ppt/slides/slide12.xml><?xml version="1.0" encoding="utf-8"?>
+<p:sld xmlns:a="http://schemas.openxmlformats.org/drawingml/2006/main" xmlns:r="http://schemas.openxmlformats.org/officeDocument/2006/relationships" xmlns:p="http://schemas.openxmlformats.org/presentationml/2006/main">
+  <p:cSld>
+    <p:spTree>
+      <p:nvGrpSpPr>
+        <p:cNvPr id="1" name=""/>
+        <p:cNvGrpSpPr/>
+        <p:nvPr/>
+      </p:nvGrpSpPr>
+      <p:grpSpPr>
+        <a:xfrm>
+          <a:off x="0" y="0"/>
+          <a:ext cx="0" cy="0"/>
+          <a:chOff x="0" y="0"/>
+          <a:chExt cx="0" cy="0"/>
+        </a:xfrm>
+      </p:grpSpPr>
+      <p:sp>
+        <p:nvSpPr>
+          <p:cNvPr id="7" name="Rechteck 6"/>
+          <p:cNvSpPr/>
+          <p:nvPr/>
+        </p:nvSpPr>
+        <p:spPr>
+          <a:xfrm>
+            <a:off x="4644008" y="1484784"/>
+            <a:ext cx="2088232" cy="864096"/>
+          </a:xfrm>
+          <a:prstGeom prst="rect">
+            <a:avLst/>
+          </a:prstGeom>
+          <a:solidFill>
+            <a:srgbClr val="F0DEB4"/>
+          </a:solidFill>
+          <a:ln>
+            <a:solidFill>
+              <a:srgbClr val="D5C295"/>
+            </a:solidFill>
+          </a:ln>
+        </p:spPr>
+        <p:style>
+          <a:lnRef idx="2">
+            <a:schemeClr val="accent1">
+              <a:shade val="50000"/>
+            </a:schemeClr>
+          </a:lnRef>
+          <a:fillRef idx="1">
+            <a:schemeClr val="accent1"/>
+          </a:fillRef>
+          <a:effectRef idx="0">
+            <a:schemeClr val="accent1"/>
+          </a:effectRef>
+          <a:fontRef idx="minor">
+            <a:schemeClr val="lt1"/>
+          </a:fontRef>
+        </p:style>
+        <p:txBody>
+          <a:bodyPr rtlCol="0" anchor="t"/>
+          <a:lstStyle/>
+          <a:p>
+            <a:pPr algn="ctr"/>
+            <a:r>
+              <a:rPr lang="de-DE" sz="1200" noProof="1" smtClean="0">
+                <a:solidFill>
+                  <a:srgbClr val="2B2B2B"/>
+                </a:solidFill>
+                <a:latin typeface="Arial" panose="020B0604020202020204" pitchFamily="34" charset="0"/>
+                <a:cs typeface="Arial" panose="020B0604020202020204" pitchFamily="34" charset="0"/>
+              </a:rPr>
+              <a:t>BookmarkletReadme</a:t>
+            </a:r>
+            <a:endParaRPr lang="de-DE" sz="1200" noProof="1" smtClean="0">
+              <a:solidFill>
+                <a:srgbClr val="2B2B2B"/>
+              </a:solidFill>
+              <a:latin typeface="Arial" panose="020B0604020202020204" pitchFamily="34" charset="0"/>
+              <a:cs typeface="Arial" panose="020B0604020202020204" pitchFamily="34" charset="0"/>
+            </a:endParaRPr>
+          </a:p>
+          <a:p>
+            <a:endParaRPr lang="de-DE" sz="1200" noProof="1">
+              <a:solidFill>
+                <a:srgbClr val="2B2B2B"/>
+              </a:solidFill>
+              <a:latin typeface="Arial" panose="020B0604020202020204" pitchFamily="34" charset="0"/>
+              <a:cs typeface="Arial" panose="020B0604020202020204" pitchFamily="34" charset="0"/>
+            </a:endParaRPr>
+          </a:p>
+          <a:p>
+            <a:endParaRPr lang="de-DE" sz="1200" noProof="1" smtClean="0">
+              <a:solidFill>
+                <a:srgbClr val="2B2B2B"/>
+              </a:solidFill>
+              <a:latin typeface="Arial" panose="020B0604020202020204" pitchFamily="34" charset="0"/>
+              <a:cs typeface="Arial" panose="020B0604020202020204" pitchFamily="34" charset="0"/>
+            </a:endParaRPr>
+          </a:p>
+          <a:p>
+            <a:r>
+              <a:rPr lang="de-DE" sz="1200" noProof="1" smtClean="0">
+                <a:solidFill>
+                  <a:srgbClr val="2B2B2B"/>
+                </a:solidFill>
+                <a:latin typeface="Arial" panose="020B0604020202020204" pitchFamily="34" charset="0"/>
+                <a:cs typeface="Arial" panose="020B0604020202020204" pitchFamily="34" charset="0"/>
+              </a:rPr>
+              <a:t>+ getHelpText(title: String)</a:t>
+            </a:r>
+            <a:endParaRPr lang="de-DE" sz="1200" noProof="1">
+              <a:solidFill>
+                <a:srgbClr val="2B2B2B"/>
+              </a:solidFill>
+              <a:latin typeface="Arial" panose="020B0604020202020204" pitchFamily="34" charset="0"/>
+              <a:cs typeface="Arial" panose="020B0604020202020204" pitchFamily="34" charset="0"/>
+            </a:endParaRPr>
+          </a:p>
+        </p:txBody>
+      </p:sp>
+      <p:cxnSp>
+        <p:nvCxnSpPr>
+          <p:cNvPr id="8" name="Gerade Verbindung 7"/>
+          <p:cNvCxnSpPr/>
+          <p:nvPr/>
+        </p:nvCxnSpPr>
+        <p:spPr>
+          <a:xfrm>
+            <a:off x="4644008" y="1772816"/>
+            <a:ext cx="2088232" cy="0"/>
+          </a:xfrm>
+          <a:prstGeom prst="line">
+            <a:avLst/>
+          </a:prstGeom>
+          <a:ln>
+            <a:solidFill>
+              <a:srgbClr val="D5C295"/>
+            </a:solidFill>
+          </a:ln>
+          <a:effectLst/>
+        </p:spPr>
+        <p:style>
+          <a:lnRef idx="2">
+            <a:schemeClr val="accent1"/>
+          </a:lnRef>
+          <a:fillRef idx="0">
+            <a:schemeClr val="accent1"/>
+          </a:fillRef>
+          <a:effectRef idx="1">
+            <a:schemeClr val="accent1"/>
+          </a:effectRef>
+          <a:fontRef idx="minor">
+            <a:schemeClr val="tx1"/>
+          </a:fontRef>
+        </p:style>
+      </p:cxnSp>
+      <p:cxnSp>
+        <p:nvCxnSpPr>
+          <p:cNvPr id="9" name="Gerade Verbindung 8"/>
+          <p:cNvCxnSpPr/>
+          <p:nvPr/>
+        </p:nvCxnSpPr>
+        <p:spPr>
+          <a:xfrm>
+            <a:off x="4644008" y="1988840"/>
+            <a:ext cx="2088232" cy="0"/>
+          </a:xfrm>
+          <a:prstGeom prst="line">
+            <a:avLst/>
+          </a:prstGeom>
+          <a:ln>
+            <a:solidFill>
+              <a:srgbClr val="D5C295"/>
+            </a:solidFill>
+          </a:ln>
+          <a:effectLst/>
+        </p:spPr>
+        <p:style>
+          <a:lnRef idx="2">
+            <a:schemeClr val="accent1"/>
+          </a:lnRef>
+          <a:fillRef idx="0">
+            <a:schemeClr val="accent1"/>
+          </a:fillRef>
+          <a:effectRef idx="1">
+            <a:schemeClr val="accent1"/>
+          </a:effectRef>
+          <a:fontRef idx="minor">
+            <a:schemeClr val="tx1"/>
+          </a:fontRef>
+        </p:style>
+      </p:cxnSp>
+    </p:spTree>
+    <p:extLst>
+      <p:ext uri="{BB962C8B-B14F-4D97-AF65-F5344CB8AC3E}">
+        <p14:creationId xmlns:p14="http://schemas.microsoft.com/office/powerpoint/2010/main" val="1185812441"/>
+      </p:ext>
+    </p:extLst>
+  </p:cSld>
+  <p:clrMapOvr>
+    <a:masterClrMapping/>
+  </p:clrMapOvr>
+</p:sld>
+</file>
+
+<file path=ppt/slides/slide13.xml><?xml version="1.0" encoding="utf-8"?>
+<p:sld xmlns:a="http://schemas.openxmlformats.org/drawingml/2006/main" xmlns:r="http://schemas.openxmlformats.org/officeDocument/2006/relationships" xmlns:p="http://schemas.openxmlformats.org/presentationml/2006/main">
+  <p:cSld>
+    <p:spTree>
+      <p:nvGrpSpPr>
+        <p:cNvPr id="1" name=""/>
+        <p:cNvGrpSpPr/>
+        <p:nvPr/>
+      </p:nvGrpSpPr>
+      <p:grpSpPr>
+        <a:xfrm>
+          <a:off x="0" y="0"/>
+          <a:ext cx="0" cy="0"/>
+          <a:chOff x="0" y="0"/>
+          <a:chExt cx="0" cy="0"/>
+        </a:xfrm>
+      </p:grpSpPr>
+      <p:sp>
+        <p:nvSpPr>
+          <p:cNvPr id="7" name="Rechteck 6"/>
+          <p:cNvSpPr/>
+          <p:nvPr/>
+        </p:nvSpPr>
+        <p:spPr>
+          <a:xfrm>
+            <a:off x="395536" y="3789040"/>
+            <a:ext cx="2520280" cy="1008112"/>
+          </a:xfrm>
+          <a:prstGeom prst="rect">
+            <a:avLst/>
+          </a:prstGeom>
+          <a:solidFill>
+            <a:srgbClr val="F0DEB4"/>
+          </a:solidFill>
+          <a:ln>
+            <a:solidFill>
+              <a:srgbClr val="D5C295"/>
+            </a:solidFill>
+          </a:ln>
+        </p:spPr>
+        <p:style>
+          <a:lnRef idx="2">
+            <a:schemeClr val="accent1">
+              <a:shade val="50000"/>
+            </a:schemeClr>
+          </a:lnRef>
+          <a:fillRef idx="1">
+            <a:schemeClr val="accent1"/>
+          </a:fillRef>
+          <a:effectRef idx="0">
+            <a:schemeClr val="accent1"/>
+          </a:effectRef>
+          <a:fontRef idx="minor">
+            <a:schemeClr val="lt1"/>
+          </a:fontRef>
+        </p:style>
+        <p:txBody>
+          <a:bodyPr rtlCol="0" anchor="t"/>
+          <a:lstStyle/>
+          <a:p>
+            <a:pPr algn="ctr"/>
+            <a:r>
+              <a:rPr lang="de-DE" sz="1200" noProof="1" smtClean="0">
+                <a:solidFill>
+                  <a:srgbClr val="2B2B2B"/>
+                </a:solidFill>
+                <a:latin typeface="Arial" panose="020B0604020202020204" pitchFamily="34" charset="0"/>
+                <a:cs typeface="Arial" panose="020B0604020202020204" pitchFamily="34" charset="0"/>
+              </a:rPr>
+              <a:t>BookmarkletPopup</a:t>
+            </a:r>
+          </a:p>
+          <a:p>
+            <a:pPr algn="ctr"/>
+            <a:endParaRPr lang="de-DE" sz="1200" noProof="1">
+              <a:solidFill>
+                <a:srgbClr val="2B2B2B"/>
+              </a:solidFill>
+              <a:latin typeface="Arial" panose="020B0604020202020204" pitchFamily="34" charset="0"/>
+              <a:cs typeface="Arial" panose="020B0604020202020204" pitchFamily="34" charset="0"/>
+            </a:endParaRPr>
+          </a:p>
+          <a:p>
+            <a:endParaRPr lang="de-DE" sz="1200" noProof="1" smtClean="0">
+              <a:solidFill>
+                <a:srgbClr val="2B2B2B"/>
+              </a:solidFill>
+              <a:latin typeface="Arial" panose="020B0604020202020204" pitchFamily="34" charset="0"/>
+              <a:cs typeface="Arial" panose="020B0604020202020204" pitchFamily="34" charset="0"/>
+            </a:endParaRPr>
+          </a:p>
+          <a:p>
+            <a:r>
+              <a:rPr lang="de-DE" sz="1200" noProof="1" smtClean="0">
+                <a:solidFill>
+                  <a:srgbClr val="2B2B2B"/>
+                </a:solidFill>
+                <a:latin typeface="Arial" panose="020B0604020202020204" pitchFamily="34" charset="0"/>
+                <a:cs typeface="Arial" panose="020B0604020202020204" pitchFamily="34" charset="0"/>
+              </a:rPr>
+              <a:t>+ show(text: String, isShort: bool)</a:t>
+            </a:r>
+          </a:p>
+          <a:p>
+            <a:r>
+              <a:rPr lang="de-DE" sz="1200" noProof="1" smtClean="0">
+                <a:solidFill>
+                  <a:srgbClr val="2B2B2B"/>
+                </a:solidFill>
+                <a:latin typeface="Arial" panose="020B0604020202020204" pitchFamily="34" charset="0"/>
+                <a:cs typeface="Arial" panose="020B0604020202020204" pitchFamily="34" charset="0"/>
+              </a:rPr>
+              <a:t>+ hide()</a:t>
+            </a:r>
+            <a:endParaRPr lang="de-DE" sz="1200" noProof="1">
+              <a:solidFill>
+                <a:srgbClr val="2B2B2B"/>
+              </a:solidFill>
+              <a:latin typeface="Arial" panose="020B0604020202020204" pitchFamily="34" charset="0"/>
+              <a:cs typeface="Arial" panose="020B0604020202020204" pitchFamily="34" charset="0"/>
+            </a:endParaRPr>
+          </a:p>
+        </p:txBody>
+      </p:sp>
+      <p:cxnSp>
+        <p:nvCxnSpPr>
+          <p:cNvPr id="8" name="Gerade Verbindung 7"/>
+          <p:cNvCxnSpPr/>
+          <p:nvPr/>
+        </p:nvCxnSpPr>
+        <p:spPr>
+          <a:xfrm>
+            <a:off x="395536" y="4077072"/>
+            <a:ext cx="2520280" cy="0"/>
+          </a:xfrm>
+          <a:prstGeom prst="line">
+            <a:avLst/>
+          </a:prstGeom>
+          <a:ln>
+            <a:solidFill>
+              <a:srgbClr val="D5C295"/>
+            </a:solidFill>
+          </a:ln>
+          <a:effectLst/>
+        </p:spPr>
+        <p:style>
+          <a:lnRef idx="2">
+            <a:schemeClr val="accent1"/>
+          </a:lnRef>
+          <a:fillRef idx="0">
+            <a:schemeClr val="accent1"/>
+          </a:fillRef>
+          <a:effectRef idx="1">
+            <a:schemeClr val="accent1"/>
+          </a:effectRef>
+          <a:fontRef idx="minor">
+            <a:schemeClr val="tx1"/>
+          </a:fontRef>
+        </p:style>
+      </p:cxnSp>
+      <p:cxnSp>
+        <p:nvCxnSpPr>
+          <p:cNvPr id="9" name="Gerade Verbindung 8"/>
+          <p:cNvCxnSpPr/>
+          <p:nvPr/>
+        </p:nvCxnSpPr>
+        <p:spPr>
+          <a:xfrm>
+            <a:off x="395536" y="4365104"/>
+            <a:ext cx="2520280" cy="0"/>
+          </a:xfrm>
+          <a:prstGeom prst="line">
+            <a:avLst/>
+          </a:prstGeom>
+          <a:ln>
+            <a:solidFill>
+              <a:srgbClr val="D5C295"/>
+            </a:solidFill>
+          </a:ln>
+          <a:effectLst/>
+        </p:spPr>
+        <p:style>
+          <a:lnRef idx="2">
+            <a:schemeClr val="accent1"/>
+          </a:lnRef>
+          <a:fillRef idx="0">
+            <a:schemeClr val="accent1"/>
+          </a:fillRef>
+          <a:effectRef idx="1">
+            <a:schemeClr val="accent1"/>
+          </a:effectRef>
+          <a:fontRef idx="minor">
+            <a:schemeClr val="tx1"/>
+          </a:fontRef>
+        </p:style>
+      </p:cxnSp>
+    </p:spTree>
+    <p:extLst>
+      <p:ext uri="{BB962C8B-B14F-4D97-AF65-F5344CB8AC3E}">
+        <p14:creationId xmlns:p14="http://schemas.microsoft.com/office/powerpoint/2010/main" val="2051809097"/>
+      </p:ext>
+    </p:extLst>
+  </p:cSld>
+  <p:clrMapOvr>
+    <a:masterClrMapping/>
+  </p:clrMapOvr>
+</p:sld>
+</file>
+
+<file path=ppt/slides/slide14.xml><?xml version="1.0" encoding="utf-8"?>
+<p:sld xmlns:a="http://schemas.openxmlformats.org/drawingml/2006/main" xmlns:r="http://schemas.openxmlformats.org/officeDocument/2006/relationships" xmlns:p="http://schemas.openxmlformats.org/presentationml/2006/main">
+  <p:cSld>
+    <p:spTree>
+      <p:nvGrpSpPr>
+        <p:cNvPr id="1" name=""/>
+        <p:cNvGrpSpPr/>
+        <p:nvPr/>
+      </p:nvGrpSpPr>
+      <p:grpSpPr>
+        <a:xfrm>
+          <a:off x="0" y="0"/>
+          <a:ext cx="0" cy="0"/>
+          <a:chOff x="0" y="0"/>
+          <a:chExt cx="0" cy="0"/>
+        </a:xfrm>
+      </p:grpSpPr>
+      <p:sp>
+        <p:nvSpPr>
+          <p:cNvPr id="8" name="Rechteck 7"/>
+          <p:cNvSpPr/>
+          <p:nvPr/>
+        </p:nvSpPr>
+        <p:spPr>
+          <a:xfrm>
+            <a:off x="1619672" y="2708920"/>
+            <a:ext cx="3096344" cy="1224136"/>
+          </a:xfrm>
+          <a:prstGeom prst="rect">
+            <a:avLst/>
+          </a:prstGeom>
+          <a:solidFill>
+            <a:srgbClr val="F0DEB4"/>
+          </a:solidFill>
+          <a:ln>
+            <a:solidFill>
+              <a:srgbClr val="D5C295"/>
+            </a:solidFill>
+          </a:ln>
+        </p:spPr>
+        <p:style>
+          <a:lnRef idx="2">
+            <a:schemeClr val="accent1">
+              <a:shade val="50000"/>
+            </a:schemeClr>
+          </a:lnRef>
+          <a:fillRef idx="1">
+            <a:schemeClr val="accent1"/>
+          </a:fillRef>
+          <a:effectRef idx="0">
+            <a:schemeClr val="accent1"/>
+          </a:effectRef>
+          <a:fontRef idx="minor">
+            <a:schemeClr val="lt1"/>
+          </a:fontRef>
+        </p:style>
+        <p:txBody>
+          <a:bodyPr rtlCol="0" anchor="t"/>
+          <a:lstStyle/>
+          <a:p>
+            <a:pPr algn="ctr"/>
+            <a:r>
+              <a:rPr lang="de-DE" sz="1200" noProof="1" smtClean="0">
+                <a:solidFill>
+                  <a:srgbClr val="2B2B2B"/>
+                </a:solidFill>
+                <a:latin typeface="Arial" panose="020B0604020202020204" pitchFamily="34" charset="0"/>
+                <a:cs typeface="Arial" panose="020B0604020202020204" pitchFamily="34" charset="0"/>
+              </a:rPr>
+              <a:t>ScalePerformanceApi</a:t>
+            </a:r>
+          </a:p>
+          <a:p>
+            <a:pPr algn="ctr"/>
+            <a:endParaRPr lang="de-DE" sz="1200" noProof="1" smtClean="0">
+              <a:solidFill>
+                <a:srgbClr val="2B2B2B"/>
+              </a:solidFill>
+              <a:latin typeface="Arial" panose="020B0604020202020204" pitchFamily="34" charset="0"/>
+              <a:cs typeface="Arial" panose="020B0604020202020204" pitchFamily="34" charset="0"/>
+            </a:endParaRPr>
+          </a:p>
+          <a:p>
+            <a:pPr algn="ctr"/>
+            <a:endParaRPr lang="de-DE" sz="1200" noProof="1" smtClean="0">
+              <a:solidFill>
+                <a:srgbClr val="2B2B2B"/>
+              </a:solidFill>
+              <a:latin typeface="Arial" panose="020B0604020202020204" pitchFamily="34" charset="0"/>
+              <a:cs typeface="Arial" panose="020B0604020202020204" pitchFamily="34" charset="0"/>
+            </a:endParaRPr>
+          </a:p>
+          <a:p>
+            <a:r>
+              <a:rPr lang="de-DE" sz="1200" noProof="1" smtClean="0">
+                <a:solidFill>
+                  <a:srgbClr val="2B2B2B"/>
+                </a:solidFill>
+                <a:latin typeface="Arial" panose="020B0604020202020204" pitchFamily="34" charset="0"/>
+                <a:cs typeface="Arial" panose="020B0604020202020204" pitchFamily="34" charset="0"/>
+              </a:rPr>
+              <a:t>+ getEntriesByType(type: String)</a:t>
+            </a:r>
+          </a:p>
+          <a:p>
+            <a:r>
+              <a:rPr lang="de-DE" sz="1200" noProof="1" smtClean="0">
+                <a:solidFill>
+                  <a:srgbClr val="2B2B2B"/>
+                </a:solidFill>
+                <a:latin typeface="Arial" panose="020B0604020202020204" pitchFamily="34" charset="0"/>
+                <a:cs typeface="Arial" panose="020B0604020202020204" pitchFamily="34" charset="0"/>
+              </a:rPr>
+              <a:t>+ hideFileFromPerformanceApi(file: String)</a:t>
+            </a:r>
+          </a:p>
+          <a:p>
+            <a:r>
+              <a:rPr lang="de-DE" sz="1200" noProof="1" smtClean="0">
+                <a:solidFill>
+                  <a:srgbClr val="2B2B2B"/>
+                </a:solidFill>
+                <a:latin typeface="Arial" panose="020B0604020202020204" pitchFamily="34" charset="0"/>
+                <a:cs typeface="Arial" panose="020B0604020202020204" pitchFamily="34" charset="0"/>
+              </a:rPr>
+              <a:t>+ getPageLoadTime(): double</a:t>
+            </a:r>
+            <a:endParaRPr lang="de-DE" sz="1200" noProof="1">
+              <a:solidFill>
+                <a:srgbClr val="2B2B2B"/>
+              </a:solidFill>
+              <a:latin typeface="Arial" panose="020B0604020202020204" pitchFamily="34" charset="0"/>
+              <a:cs typeface="Arial" panose="020B0604020202020204" pitchFamily="34" charset="0"/>
+            </a:endParaRPr>
+          </a:p>
+        </p:txBody>
+      </p:sp>
+      <p:cxnSp>
+        <p:nvCxnSpPr>
+          <p:cNvPr id="9" name="Gerade Verbindung 8"/>
+          <p:cNvCxnSpPr/>
+          <p:nvPr/>
+        </p:nvCxnSpPr>
+        <p:spPr>
+          <a:xfrm>
+            <a:off x="1619672" y="2996952"/>
+            <a:ext cx="3096344" cy="0"/>
+          </a:xfrm>
+          <a:prstGeom prst="line">
+            <a:avLst/>
+          </a:prstGeom>
+          <a:ln>
+            <a:solidFill>
+              <a:srgbClr val="D5C295"/>
+            </a:solidFill>
+          </a:ln>
+          <a:effectLst/>
+        </p:spPr>
+        <p:style>
+          <a:lnRef idx="2">
+            <a:schemeClr val="accent1"/>
+          </a:lnRef>
+          <a:fillRef idx="0">
+            <a:schemeClr val="accent1"/>
+          </a:fillRef>
+          <a:effectRef idx="1">
+            <a:schemeClr val="accent1"/>
+          </a:effectRef>
+          <a:fontRef idx="minor">
+            <a:schemeClr val="tx1"/>
+          </a:fontRef>
+        </p:style>
+      </p:cxnSp>
+      <p:cxnSp>
+        <p:nvCxnSpPr>
+          <p:cNvPr id="10" name="Gerade Verbindung 9"/>
+          <p:cNvCxnSpPr/>
+          <p:nvPr/>
+        </p:nvCxnSpPr>
+        <p:spPr>
+          <a:xfrm>
+            <a:off x="1619672" y="3284984"/>
+            <a:ext cx="3096344" cy="0"/>
+          </a:xfrm>
+          <a:prstGeom prst="line">
+            <a:avLst/>
+          </a:prstGeom>
+          <a:ln>
+            <a:solidFill>
+              <a:srgbClr val="D5C295"/>
+            </a:solidFill>
+          </a:ln>
+          <a:effectLst/>
+        </p:spPr>
+        <p:style>
+          <a:lnRef idx="2">
+            <a:schemeClr val="accent1"/>
+          </a:lnRef>
+          <a:fillRef idx="0">
+            <a:schemeClr val="accent1"/>
+          </a:fillRef>
+          <a:effectRef idx="1">
+            <a:schemeClr val="accent1"/>
+          </a:effectRef>
+          <a:fontRef idx="minor">
+            <a:schemeClr val="tx1"/>
+          </a:fontRef>
+        </p:style>
+      </p:cxnSp>
+    </p:spTree>
+    <p:extLst>
+      <p:ext uri="{BB962C8B-B14F-4D97-AF65-F5344CB8AC3E}">
+        <p14:creationId xmlns:p14="http://schemas.microsoft.com/office/powerpoint/2010/main" val="3880082411"/>
+      </p:ext>
+    </p:extLst>
+  </p:cSld>
+  <p:clrMapOvr>
+    <a:masterClrMapping/>
+  </p:clrMapOvr>
+</p:sld>
+</file>
+
+<file path=ppt/slides/slide15.xml><?xml version="1.0" encoding="utf-8"?>
+<p:sld xmlns:a="http://schemas.openxmlformats.org/drawingml/2006/main" xmlns:r="http://schemas.openxmlformats.org/officeDocument/2006/relationships" xmlns:p="http://schemas.openxmlformats.org/presentationml/2006/main">
+  <p:cSld>
+    <p:spTree>
+      <p:nvGrpSpPr>
+        <p:cNvPr id="1" name=""/>
+        <p:cNvGrpSpPr/>
+        <p:nvPr/>
+      </p:nvGrpSpPr>
+      <p:grpSpPr>
+        <a:xfrm>
+          <a:off x="0" y="0"/>
+          <a:ext cx="0" cy="0"/>
+          <a:chOff x="0" y="0"/>
+          <a:chExt cx="0" cy="0"/>
+        </a:xfrm>
+      </p:grpSpPr>
+      <p:sp>
+        <p:nvSpPr>
+          <p:cNvPr id="7" name="Rechteck 6"/>
+          <p:cNvSpPr/>
+          <p:nvPr/>
+        </p:nvSpPr>
+        <p:spPr>
+          <a:xfrm>
+            <a:off x="3329862" y="5085184"/>
+            <a:ext cx="3474386" cy="1584176"/>
+          </a:xfrm>
+          <a:prstGeom prst="rect">
+            <a:avLst/>
+          </a:prstGeom>
+          <a:solidFill>
+            <a:srgbClr val="B8C9F1"/>
+          </a:solidFill>
+          <a:ln>
+            <a:solidFill>
+              <a:srgbClr val="99ABD5"/>
+            </a:solidFill>
+          </a:ln>
+        </p:spPr>
+        <p:style>
+          <a:lnRef idx="2">
+            <a:schemeClr val="accent1">
+              <a:shade val="50000"/>
+            </a:schemeClr>
+          </a:lnRef>
+          <a:fillRef idx="1">
+            <a:schemeClr val="accent1"/>
+          </a:fillRef>
+          <a:effectRef idx="0">
+            <a:schemeClr val="accent1"/>
+          </a:effectRef>
+          <a:fontRef idx="minor">
+            <a:schemeClr val="lt1"/>
+          </a:fontRef>
+        </p:style>
+        <p:txBody>
+          <a:bodyPr rtlCol="0" anchor="t"/>
+          <a:lstStyle/>
+          <a:p>
+            <a:pPr algn="ctr"/>
+            <a:r>
+              <a:rPr lang="de-DE" sz="1200" noProof="1" smtClean="0">
+                <a:solidFill>
+                  <a:srgbClr val="2B2B2B"/>
+                </a:solidFill>
+                <a:latin typeface="Arial" panose="020B0604020202020204" pitchFamily="34" charset="0"/>
+                <a:cs typeface="Arial" panose="020B0604020202020204" pitchFamily="34" charset="0"/>
+              </a:rPr>
+              <a:t>„MyTool“</a:t>
+            </a:r>
+          </a:p>
+          <a:p>
+            <a:pPr algn="ctr"/>
+            <a:endParaRPr lang="de-DE" sz="1200" noProof="1">
+              <a:solidFill>
+                <a:srgbClr val="2B2B2B"/>
+              </a:solidFill>
+              <a:latin typeface="Arial" panose="020B0604020202020204" pitchFamily="34" charset="0"/>
+              <a:cs typeface="Arial" panose="020B0604020202020204" pitchFamily="34" charset="0"/>
+            </a:endParaRPr>
+          </a:p>
+          <a:p>
+            <a:r>
+              <a:rPr lang="de-DE" sz="1200" noProof="1" smtClean="0">
+                <a:solidFill>
+                  <a:srgbClr val="2B2B2B"/>
+                </a:solidFill>
+                <a:latin typeface="Arial" panose="020B0604020202020204" pitchFamily="34" charset="0"/>
+                <a:cs typeface="Arial" panose="020B0604020202020204" pitchFamily="34" charset="0"/>
+              </a:rPr>
+              <a:t>- toolContainer:       HTMLElement</a:t>
+            </a:r>
+          </a:p>
+          <a:p>
+            <a:r>
+              <a:rPr lang="de-DE" sz="1200" noProof="1" smtClean="0">
+                <a:solidFill>
+                  <a:srgbClr val="2B2B2B"/>
+                </a:solidFill>
+                <a:latin typeface="Arial" panose="020B0604020202020204" pitchFamily="34" charset="0"/>
+                <a:cs typeface="Arial" panose="020B0604020202020204" pitchFamily="34" charset="0"/>
+              </a:rPr>
+              <a:t>- performanceAPI:  ScalePerformanceAPI</a:t>
+            </a:r>
+          </a:p>
+          <a:p>
+            <a:r>
+              <a:rPr lang="de-DE" sz="1200" noProof="1">
+                <a:solidFill>
+                  <a:srgbClr val="2B2B2B"/>
+                </a:solidFill>
+                <a:latin typeface="Arial" panose="020B0604020202020204" pitchFamily="34" charset="0"/>
+                <a:cs typeface="Arial" panose="020B0604020202020204" pitchFamily="34" charset="0"/>
+              </a:rPr>
+              <a:t>- </a:t>
+            </a:r>
+            <a:r>
+              <a:rPr lang="de-DE" sz="1200" noProof="1" smtClean="0">
+                <a:solidFill>
+                  <a:srgbClr val="2B2B2B"/>
+                </a:solidFill>
+                <a:latin typeface="Arial" panose="020B0604020202020204" pitchFamily="34" charset="0"/>
+                <a:cs typeface="Arial" panose="020B0604020202020204" pitchFamily="34" charset="0"/>
+              </a:rPr>
+              <a:t>popup:                  BookmarkletPopup</a:t>
+            </a:r>
+            <a:endParaRPr lang="de-DE" sz="1200" noProof="1">
+              <a:solidFill>
+                <a:srgbClr val="2B2B2B"/>
+              </a:solidFill>
+              <a:latin typeface="Arial" panose="020B0604020202020204" pitchFamily="34" charset="0"/>
+              <a:cs typeface="Arial" panose="020B0604020202020204" pitchFamily="34" charset="0"/>
+            </a:endParaRPr>
+          </a:p>
+          <a:p>
+            <a:endParaRPr lang="de-DE" sz="1200" noProof="1" smtClean="0">
+              <a:solidFill>
+                <a:srgbClr val="2B2B2B"/>
+              </a:solidFill>
+              <a:latin typeface="Arial" panose="020B0604020202020204" pitchFamily="34" charset="0"/>
+              <a:cs typeface="Arial" panose="020B0604020202020204" pitchFamily="34" charset="0"/>
+            </a:endParaRPr>
+          </a:p>
+          <a:p>
+            <a:r>
+              <a:rPr lang="de-DE" sz="1200" noProof="1">
+                <a:solidFill>
+                  <a:srgbClr val="2B2B2B"/>
+                </a:solidFill>
+                <a:latin typeface="Arial" panose="020B0604020202020204" pitchFamily="34" charset="0"/>
+                <a:cs typeface="Arial" panose="020B0604020202020204" pitchFamily="34" charset="0"/>
+              </a:rPr>
+              <a:t>+ MyTool(performanceApi, toolContainer, popup)</a:t>
+            </a:r>
+          </a:p>
+          <a:p>
+            <a:r>
+              <a:rPr lang="de-DE" sz="1200" noProof="1" smtClean="0">
+                <a:solidFill>
+                  <a:srgbClr val="2B2B2B"/>
+                </a:solidFill>
+                <a:latin typeface="Arial" panose="020B0604020202020204" pitchFamily="34" charset="0"/>
+                <a:cs typeface="Arial" panose="020B0604020202020204" pitchFamily="34" charset="0"/>
+              </a:rPr>
+              <a:t>+ destructor()</a:t>
+            </a:r>
+            <a:endParaRPr lang="de-DE" sz="1200" noProof="1">
+              <a:solidFill>
+                <a:srgbClr val="2B2B2B"/>
+              </a:solidFill>
+              <a:latin typeface="Arial" panose="020B0604020202020204" pitchFamily="34" charset="0"/>
+              <a:cs typeface="Arial" panose="020B0604020202020204" pitchFamily="34" charset="0"/>
+            </a:endParaRPr>
+          </a:p>
+        </p:txBody>
+      </p:sp>
+      <p:cxnSp>
+        <p:nvCxnSpPr>
+          <p:cNvPr id="8" name="Gerade Verbindung 7"/>
+          <p:cNvCxnSpPr/>
+          <p:nvPr/>
+        </p:nvCxnSpPr>
+        <p:spPr>
+          <a:xfrm>
+            <a:off x="3329862" y="5373216"/>
+            <a:ext cx="3474386" cy="0"/>
+          </a:xfrm>
+          <a:prstGeom prst="line">
+            <a:avLst/>
+          </a:prstGeom>
+          <a:ln>
+            <a:solidFill>
+              <a:srgbClr val="99ABD5"/>
+            </a:solidFill>
+          </a:ln>
+          <a:effectLst/>
+        </p:spPr>
+        <p:style>
+          <a:lnRef idx="2">
+            <a:schemeClr val="accent1"/>
+          </a:lnRef>
+          <a:fillRef idx="0">
+            <a:schemeClr val="accent1"/>
+          </a:fillRef>
+          <a:effectRef idx="1">
+            <a:schemeClr val="accent1"/>
+          </a:effectRef>
+          <a:fontRef idx="minor">
+            <a:schemeClr val="tx1"/>
+          </a:fontRef>
+        </p:style>
+      </p:cxnSp>
+      <p:cxnSp>
+        <p:nvCxnSpPr>
+          <p:cNvPr id="9" name="Gerade Verbindung 8"/>
+          <p:cNvCxnSpPr/>
+          <p:nvPr/>
+        </p:nvCxnSpPr>
+        <p:spPr>
+          <a:xfrm>
+            <a:off x="3329862" y="6165304"/>
+            <a:ext cx="3474386" cy="0"/>
+          </a:xfrm>
+          <a:prstGeom prst="line">
+            <a:avLst/>
+          </a:prstGeom>
+          <a:ln>
+            <a:solidFill>
+              <a:srgbClr val="99ABD5"/>
+            </a:solidFill>
+          </a:ln>
+          <a:effectLst/>
+        </p:spPr>
+        <p:style>
+          <a:lnRef idx="2">
+            <a:schemeClr val="accent1"/>
+          </a:lnRef>
+          <a:fillRef idx="0">
+            <a:schemeClr val="accent1"/>
+          </a:fillRef>
+          <a:effectRef idx="1">
+            <a:schemeClr val="accent1"/>
+          </a:effectRef>
+          <a:fontRef idx="minor">
+            <a:schemeClr val="tx1"/>
+          </a:fontRef>
+        </p:style>
+      </p:cxnSp>
+    </p:spTree>
+    <p:extLst>
+      <p:ext uri="{BB962C8B-B14F-4D97-AF65-F5344CB8AC3E}">
+        <p14:creationId xmlns:p14="http://schemas.microsoft.com/office/powerpoint/2010/main" val="3504703123"/>
+      </p:ext>
+    </p:extLst>
+  </p:cSld>
+  <p:clrMapOvr>
+    <a:masterClrMapping/>
+  </p:clrMapOvr>
+</p:sld>
+</file>
+
+<file path=ppt/slides/slide16.xml><?xml version="1.0" encoding="utf-8"?>
+<p:sld xmlns:a="http://schemas.openxmlformats.org/drawingml/2006/main" xmlns:r="http://schemas.openxmlformats.org/officeDocument/2006/relationships" xmlns:p="http://schemas.openxmlformats.org/presentationml/2006/main">
+  <p:cSld>
+    <p:spTree>
+      <p:nvGrpSpPr>
+        <p:cNvPr id="1" name=""/>
+        <p:cNvGrpSpPr/>
+        <p:nvPr/>
+      </p:nvGrpSpPr>
+      <p:grpSpPr>
+        <a:xfrm>
+          <a:off x="0" y="0"/>
+          <a:ext cx="0" cy="0"/>
+          <a:chOff x="0" y="0"/>
+          <a:chExt cx="0" cy="0"/>
+        </a:xfrm>
+      </p:grpSpPr>
+      <p:pic>
+        <p:nvPicPr>
+          <p:cNvPr id="1026" name="Picture 2"/>
+          <p:cNvPicPr>
+            <a:picLocks noChangeAspect="1" noChangeArrowheads="1"/>
+          </p:cNvPicPr>
+          <p:nvPr/>
+        </p:nvPicPr>
+        <p:blipFill>
+          <a:blip r:embed="rId2">
+            <a:extLst>
+              <a:ext uri="{28A0092B-C50C-407E-A947-70E740481C1C}">
+                <a14:useLocalDpi xmlns:a14="http://schemas.microsoft.com/office/drawing/2010/main" val="0"/>
+              </a:ext>
+            </a:extLst>
+          </a:blip>
+          <a:srcRect/>
+          <a:stretch>
+            <a:fillRect/>
+          </a:stretch>
+        </p:blipFill>
+        <p:spPr bwMode="auto">
+          <a:xfrm>
+            <a:off x="1378631" y="2282889"/>
+            <a:ext cx="1971675" cy="1971675"/>
+          </a:xfrm>
+          <a:prstGeom prst="rect">
+            <a:avLst/>
+          </a:prstGeom>
+          <a:ln>
+            <a:noFill/>
+          </a:ln>
+          <a:effectLst>
+            <a:outerShdw blurRad="292100" dist="139700" dir="2700000" algn="tl" rotWithShape="0">
+              <a:srgbClr val="333333">
+                <a:alpha val="65000"/>
+              </a:srgbClr>
+            </a:outerShdw>
+          </a:effectLst>
+          <a:extLst>
+            <a:ext uri="{909E8E84-426E-40DD-AFC4-6F175D3DCCD1}">
+              <a14:hiddenFill xmlns:a14="http://schemas.microsoft.com/office/drawing/2010/main">
+                <a:solidFill>
+                  <a:schemeClr val="accent1"/>
+                </a:solidFill>
+              </a14:hiddenFill>
+            </a:ext>
+            <a:ext uri="{91240B29-F687-4F45-9708-019B960494DF}">
+              <a14:hiddenLine xmlns:a14="http://schemas.microsoft.com/office/drawing/2010/main" w="9525">
+                <a:solidFill>
+                  <a:schemeClr val="tx1"/>
+                </a:solidFill>
+                <a:miter lim="800000"/>
+                <a:headEnd/>
+                <a:tailEnd/>
+              </a14:hiddenLine>
+            </a:ext>
+          </a:extLst>
+        </p:spPr>
+      </p:pic>
+      <p:pic>
+        <p:nvPicPr>
+          <p:cNvPr id="1027" name="Picture 3"/>
+          <p:cNvPicPr>
+            <a:picLocks noChangeAspect="1" noChangeArrowheads="1"/>
+          </p:cNvPicPr>
+          <p:nvPr/>
+        </p:nvPicPr>
+        <p:blipFill>
+          <a:blip r:embed="rId3">
+            <a:extLst>
+              <a:ext uri="{28A0092B-C50C-407E-A947-70E740481C1C}">
+                <a14:useLocalDpi xmlns:a14="http://schemas.microsoft.com/office/drawing/2010/main" val="0"/>
+              </a:ext>
+            </a:extLst>
+          </a:blip>
+          <a:srcRect/>
+          <a:stretch>
+            <a:fillRect/>
+          </a:stretch>
+        </p:blipFill>
+        <p:spPr bwMode="auto">
+          <a:xfrm>
+            <a:off x="4979031" y="2282889"/>
+            <a:ext cx="1971675" cy="1971675"/>
+          </a:xfrm>
+          <a:prstGeom prst="rect">
+            <a:avLst/>
+          </a:prstGeom>
+          <a:ln>
+            <a:noFill/>
+          </a:ln>
+          <a:effectLst>
+            <a:outerShdw blurRad="292100" dist="139700" dir="2700000" algn="tl" rotWithShape="0">
+              <a:srgbClr val="333333">
+                <a:alpha val="65000"/>
+              </a:srgbClr>
+            </a:outerShdw>
+          </a:effectLst>
+          <a:extLst>
+            <a:ext uri="{909E8E84-426E-40DD-AFC4-6F175D3DCCD1}">
+              <a14:hiddenFill xmlns:a14="http://schemas.microsoft.com/office/drawing/2010/main">
+                <a:solidFill>
+                  <a:schemeClr val="accent1"/>
+                </a:solidFill>
+              </a14:hiddenFill>
+            </a:ext>
+            <a:ext uri="{91240B29-F687-4F45-9708-019B960494DF}">
+              <a14:hiddenLine xmlns:a14="http://schemas.microsoft.com/office/drawing/2010/main" w="9525">
+                <a:solidFill>
+                  <a:schemeClr val="tx1"/>
+                </a:solidFill>
+                <a:miter lim="800000"/>
+                <a:headEnd/>
+                <a:tailEnd/>
+              </a14:hiddenLine>
+            </a:ext>
+          </a:extLst>
+        </p:spPr>
+      </p:pic>
+      <p:sp>
+        <p:nvSpPr>
+          <p:cNvPr id="7" name="Rechteck 6"/>
+          <p:cNvSpPr/>
+          <p:nvPr/>
+        </p:nvSpPr>
+        <p:spPr>
+          <a:xfrm>
+            <a:off x="1378630" y="1700808"/>
+            <a:ext cx="5572075" cy="582080"/>
+          </a:xfrm>
+          <a:prstGeom prst="rect">
+            <a:avLst/>
+          </a:prstGeom>
+          <a:noFill/>
+          <a:ln>
+            <a:noFill/>
+          </a:ln>
+        </p:spPr>
+        <p:style>
+          <a:lnRef idx="2">
+            <a:schemeClr val="accent1">
+              <a:shade val="50000"/>
+            </a:schemeClr>
+          </a:lnRef>
+          <a:fillRef idx="1">
+            <a:schemeClr val="accent1"/>
+          </a:fillRef>
+          <a:effectRef idx="0">
+            <a:schemeClr val="accent1"/>
+          </a:effectRef>
+          <a:fontRef idx="minor">
+            <a:schemeClr val="lt1"/>
+          </a:fontRef>
+        </p:style>
+        <p:txBody>
+          <a:bodyPr rtlCol="0" anchor="t"/>
+          <a:lstStyle/>
+          <a:p>
+            <a:pPr algn="ctr"/>
+            <a:r>
+              <a:rPr lang="de-DE" noProof="1" smtClean="0">
+                <a:solidFill>
+                  <a:srgbClr val="2B2B2B"/>
+                </a:solidFill>
+                <a:latin typeface="Arial" panose="020B0604020202020204" pitchFamily="34" charset="0"/>
+                <a:cs typeface="Arial" panose="020B0604020202020204" pitchFamily="34" charset="0"/>
+              </a:rPr>
+              <a:t>Im destructor() zu entfernen</a:t>
+            </a:r>
+            <a:endParaRPr lang="de-DE" noProof="1">
+              <a:solidFill>
+                <a:srgbClr val="2B2B2B"/>
+              </a:solidFill>
+              <a:latin typeface="Arial" panose="020B0604020202020204" pitchFamily="34" charset="0"/>
+              <a:cs typeface="Arial" panose="020B0604020202020204" pitchFamily="34" charset="0"/>
+            </a:endParaRPr>
+          </a:p>
+        </p:txBody>
+      </p:sp>
+      <p:sp>
+        <p:nvSpPr>
+          <p:cNvPr id="10" name="Rechteck 9"/>
+          <p:cNvSpPr/>
+          <p:nvPr/>
+        </p:nvSpPr>
+        <p:spPr>
+          <a:xfrm>
+            <a:off x="1378629" y="4509120"/>
+            <a:ext cx="1971677" cy="360040"/>
+          </a:xfrm>
+          <a:prstGeom prst="rect">
+            <a:avLst/>
+          </a:prstGeom>
+          <a:noFill/>
+          <a:ln>
+            <a:noFill/>
+          </a:ln>
+        </p:spPr>
+        <p:style>
+          <a:lnRef idx="2">
+            <a:schemeClr val="accent1">
+              <a:shade val="50000"/>
+            </a:schemeClr>
+          </a:lnRef>
+          <a:fillRef idx="1">
+            <a:schemeClr val="accent1"/>
+          </a:fillRef>
+          <a:effectRef idx="0">
+            <a:schemeClr val="accent1"/>
+          </a:effectRef>
+          <a:fontRef idx="minor">
+            <a:schemeClr val="lt1"/>
+          </a:fontRef>
+        </p:style>
+        <p:txBody>
+          <a:bodyPr rtlCol="0" anchor="t"/>
+          <a:lstStyle/>
+          <a:p>
+            <a:pPr algn="ctr"/>
+            <a:r>
+              <a:rPr lang="de-DE" sz="1200" noProof="1" smtClean="0">
+                <a:solidFill>
+                  <a:srgbClr val="2B2B2B"/>
+                </a:solidFill>
+                <a:latin typeface="Arial" panose="020B0604020202020204" pitchFamily="34" charset="0"/>
+                <a:cs typeface="Arial" panose="020B0604020202020204" pitchFamily="34" charset="0"/>
+              </a:rPr>
+              <a:t>Overlays</a:t>
+            </a:r>
+            <a:endParaRPr lang="de-DE" sz="1200" noProof="1">
+              <a:solidFill>
+                <a:srgbClr val="2B2B2B"/>
+              </a:solidFill>
+              <a:latin typeface="Arial" panose="020B0604020202020204" pitchFamily="34" charset="0"/>
+              <a:cs typeface="Arial" panose="020B0604020202020204" pitchFamily="34" charset="0"/>
+            </a:endParaRPr>
+          </a:p>
+        </p:txBody>
+      </p:sp>
+      <p:sp>
+        <p:nvSpPr>
+          <p:cNvPr id="12" name="Rechteck 11"/>
+          <p:cNvSpPr/>
+          <p:nvPr/>
+        </p:nvSpPr>
+        <p:spPr>
+          <a:xfrm>
+            <a:off x="4979031" y="4509120"/>
+            <a:ext cx="1971677" cy="360040"/>
+          </a:xfrm>
+          <a:prstGeom prst="rect">
+            <a:avLst/>
+          </a:prstGeom>
+          <a:noFill/>
+          <a:ln>
+            <a:noFill/>
+          </a:ln>
+        </p:spPr>
+        <p:style>
+          <a:lnRef idx="2">
+            <a:schemeClr val="accent1">
+              <a:shade val="50000"/>
+            </a:schemeClr>
+          </a:lnRef>
+          <a:fillRef idx="1">
+            <a:schemeClr val="accent1"/>
+          </a:fillRef>
+          <a:effectRef idx="0">
+            <a:schemeClr val="accent1"/>
+          </a:effectRef>
+          <a:fontRef idx="minor">
+            <a:schemeClr val="lt1"/>
+          </a:fontRef>
+        </p:style>
+        <p:txBody>
+          <a:bodyPr rtlCol="0" anchor="t"/>
+          <a:lstStyle/>
+          <a:p>
+            <a:pPr algn="ctr"/>
+            <a:r>
+              <a:rPr lang="de-DE" sz="1200" noProof="1" smtClean="0">
+                <a:solidFill>
+                  <a:srgbClr val="2B2B2B"/>
+                </a:solidFill>
+                <a:latin typeface="Arial" panose="020B0604020202020204" pitchFamily="34" charset="0"/>
+                <a:cs typeface="Arial" panose="020B0604020202020204" pitchFamily="34" charset="0"/>
+              </a:rPr>
+              <a:t>Markierungen wie z.B. Border</a:t>
+            </a:r>
+            <a:endParaRPr lang="de-DE" sz="1200" noProof="1">
+              <a:solidFill>
+                <a:srgbClr val="2B2B2B"/>
+              </a:solidFill>
+              <a:latin typeface="Arial" panose="020B0604020202020204" pitchFamily="34" charset="0"/>
+              <a:cs typeface="Arial" panose="020B0604020202020204" pitchFamily="34" charset="0"/>
+            </a:endParaRPr>
+          </a:p>
+        </p:txBody>
+      </p:sp>
+    </p:spTree>
+    <p:extLst>
+      <p:ext uri="{BB962C8B-B14F-4D97-AF65-F5344CB8AC3E}">
+        <p14:creationId xmlns:p14="http://schemas.microsoft.com/office/powerpoint/2010/main" val="2804443403"/>
+      </p:ext>
+    </p:extLst>
+  </p:cSld>
+  <p:clrMapOvr>
+    <a:masterClrMapping/>
+  </p:clrMapOvr>
+</p:sld>
+</file>
+
 <file path=ppt/slides/slide2.xml><?xml version="1.0" encoding="utf-8"?>
 <p:sld xmlns:a="http://schemas.openxmlformats.org/drawingml/2006/main" xmlns:r="http://schemas.openxmlformats.org/officeDocument/2006/relationships" xmlns:p="http://schemas.openxmlformats.org/presentationml/2006/main">
   <p:cSld>
@@ -14551,13 +17952,6 @@
               </a:rPr>
               <a:t>   Tools</a:t>
             </a:r>
-            <a:endParaRPr lang="de-DE" sz="2800" noProof="1" smtClean="0">
-              <a:solidFill>
-                <a:srgbClr val="1ABC9C"/>
-              </a:solidFill>
-              <a:latin typeface="Arial" panose="020B0604020202020204" pitchFamily="34" charset="0"/>
-              <a:cs typeface="Arial" panose="020B0604020202020204" pitchFamily="34" charset="0"/>
-            </a:endParaRPr>
           </a:p>
           <a:p>
             <a:pPr algn="ctr"/>
@@ -14620,15 +18014,7 @@
                   <a:srgbClr val="16A085"/>
                 </a:solidFill>
               </a:rPr>
-              <a:t>(/perf-bookmarklet.js</a:t>
-            </a:r>
-            <a:r>
-              <a:rPr lang="de-DE" noProof="1" smtClean="0">
-                <a:solidFill>
-                  <a:srgbClr val="16A085"/>
-                </a:solidFill>
-              </a:rPr>
-              <a:t>)</a:t>
+              <a:t>(/perf-bookmarklet.js)</a:t>
             </a:r>
             <a:endParaRPr lang="de-DE" noProof="1">
               <a:solidFill>
@@ -14927,13 +18313,6 @@
               </a:rPr>
               <a:t>Publicfolder</a:t>
             </a:r>
-            <a:endParaRPr lang="de-DE" noProof="1" smtClean="0">
-              <a:solidFill>
-                <a:srgbClr val="16A085"/>
-              </a:solidFill>
-              <a:latin typeface="Arial" panose="020B0604020202020204" pitchFamily="34" charset="0"/>
-              <a:cs typeface="Arial" panose="020B0604020202020204" pitchFamily="34" charset="0"/>
-            </a:endParaRPr>
           </a:p>
           <a:p>
             <a:pPr algn="ctr"/>
@@ -15236,15 +18615,6 @@
               </a:rPr>
               <a:t>Publicfolder</a:t>
             </a:r>
-            <a:endParaRPr lang="de-DE" noProof="1" smtClean="0">
-              <a:solidFill>
-                <a:schemeClr val="bg1">
-                  <a:lumMod val="75000"/>
-                </a:schemeClr>
-              </a:solidFill>
-              <a:latin typeface="Arial" panose="020B0604020202020204" pitchFamily="34" charset="0"/>
-              <a:cs typeface="Arial" panose="020B0604020202020204" pitchFamily="34" charset="0"/>
-            </a:endParaRPr>
           </a:p>
           <a:p>
             <a:pPr algn="ctr"/>
@@ -15507,15 +18877,6 @@
               </a:rPr>
               <a:t>Publicfolder</a:t>
             </a:r>
-            <a:endParaRPr lang="de-DE" noProof="1" smtClean="0">
-              <a:solidFill>
-                <a:schemeClr val="bg1">
-                  <a:lumMod val="75000"/>
-                </a:schemeClr>
-              </a:solidFill>
-              <a:latin typeface="Arial" panose="020B0604020202020204" pitchFamily="34" charset="0"/>
-              <a:cs typeface="Arial" panose="020B0604020202020204" pitchFamily="34" charset="0"/>
-            </a:endParaRPr>
           </a:p>
           <a:p>
             <a:pPr algn="ctr"/>
@@ -15826,13 +19187,6 @@
               </a:rPr>
               <a:t>Publicfolder</a:t>
             </a:r>
-            <a:endParaRPr lang="de-DE" noProof="1" smtClean="0">
-              <a:solidFill>
-                <a:srgbClr val="16A085"/>
-              </a:solidFill>
-              <a:latin typeface="Arial" panose="020B0604020202020204" pitchFamily="34" charset="0"/>
-              <a:cs typeface="Arial" panose="020B0604020202020204" pitchFamily="34" charset="0"/>
-            </a:endParaRPr>
           </a:p>
           <a:p>
             <a:pPr algn="ctr"/>
@@ -15871,6 +19225,2040 @@
       </p:par>
     </p:tnLst>
   </p:timing>
+</p:sld>
+</file>
+
+<file path=ppt/slides/slide7.xml><?xml version="1.0" encoding="utf-8"?>
+<p:sld xmlns:a="http://schemas.openxmlformats.org/drawingml/2006/main" xmlns:r="http://schemas.openxmlformats.org/officeDocument/2006/relationships" xmlns:p="http://schemas.openxmlformats.org/presentationml/2006/main">
+  <p:cSld>
+    <p:spTree>
+      <p:nvGrpSpPr>
+        <p:cNvPr id="1" name=""/>
+        <p:cNvGrpSpPr/>
+        <p:nvPr/>
+      </p:nvGrpSpPr>
+      <p:grpSpPr>
+        <a:xfrm>
+          <a:off x="0" y="0"/>
+          <a:ext cx="0" cy="0"/>
+          <a:chOff x="0" y="0"/>
+          <a:chExt cx="0" cy="0"/>
+        </a:xfrm>
+      </p:grpSpPr>
+      <p:sp>
+        <p:nvSpPr>
+          <p:cNvPr id="7" name="Rechteck 6"/>
+          <p:cNvSpPr/>
+          <p:nvPr/>
+        </p:nvSpPr>
+        <p:spPr>
+          <a:xfrm>
+            <a:off x="1043608" y="1484784"/>
+            <a:ext cx="2088232" cy="864096"/>
+          </a:xfrm>
+          <a:prstGeom prst="rect">
+            <a:avLst/>
+          </a:prstGeom>
+          <a:solidFill>
+            <a:srgbClr val="1ABC9C"/>
+          </a:solidFill>
+          <a:ln>
+            <a:solidFill>
+              <a:srgbClr val="16A085"/>
+            </a:solidFill>
+          </a:ln>
+        </p:spPr>
+        <p:style>
+          <a:lnRef idx="2">
+            <a:schemeClr val="accent1">
+              <a:shade val="50000"/>
+            </a:schemeClr>
+          </a:lnRef>
+          <a:fillRef idx="1">
+            <a:schemeClr val="accent1"/>
+          </a:fillRef>
+          <a:effectRef idx="0">
+            <a:schemeClr val="accent1"/>
+          </a:effectRef>
+          <a:fontRef idx="minor">
+            <a:schemeClr val="lt1"/>
+          </a:fontRef>
+        </p:style>
+        <p:txBody>
+          <a:bodyPr rtlCol="0" anchor="t"/>
+          <a:lstStyle/>
+          <a:p>
+            <a:pPr algn="ctr"/>
+            <a:r>
+              <a:rPr lang="de-DE" sz="1200" noProof="1" smtClean="0">
+                <a:solidFill>
+                  <a:srgbClr val="2B2B2B"/>
+                </a:solidFill>
+                <a:latin typeface="Arial" panose="020B0604020202020204" pitchFamily="34" charset="0"/>
+                <a:cs typeface="Arial" panose="020B0604020202020204" pitchFamily="34" charset="0"/>
+              </a:rPr>
+              <a:t>ScalePerformanceBarClass</a:t>
+            </a:r>
+            <a:endParaRPr lang="de-DE" sz="1200" noProof="1">
+              <a:solidFill>
+                <a:srgbClr val="2B2B2B"/>
+              </a:solidFill>
+              <a:latin typeface="Arial" panose="020B0604020202020204" pitchFamily="34" charset="0"/>
+              <a:cs typeface="Arial" panose="020B0604020202020204" pitchFamily="34" charset="0"/>
+            </a:endParaRPr>
+          </a:p>
+        </p:txBody>
+      </p:sp>
+      <p:cxnSp>
+        <p:nvCxnSpPr>
+          <p:cNvPr id="11" name="Gerade Verbindung 10"/>
+          <p:cNvCxnSpPr/>
+          <p:nvPr/>
+        </p:nvCxnSpPr>
+        <p:spPr>
+          <a:xfrm>
+            <a:off x="1043608" y="1772816"/>
+            <a:ext cx="2088232" cy="0"/>
+          </a:xfrm>
+          <a:prstGeom prst="line">
+            <a:avLst/>
+          </a:prstGeom>
+          <a:ln>
+            <a:solidFill>
+              <a:srgbClr val="16A085"/>
+            </a:solidFill>
+          </a:ln>
+          <a:effectLst/>
+        </p:spPr>
+        <p:style>
+          <a:lnRef idx="2">
+            <a:schemeClr val="accent1"/>
+          </a:lnRef>
+          <a:fillRef idx="0">
+            <a:schemeClr val="accent1"/>
+          </a:fillRef>
+          <a:effectRef idx="1">
+            <a:schemeClr val="accent1"/>
+          </a:effectRef>
+          <a:fontRef idx="minor">
+            <a:schemeClr val="tx1"/>
+          </a:fontRef>
+        </p:style>
+      </p:cxnSp>
+      <p:cxnSp>
+        <p:nvCxnSpPr>
+          <p:cNvPr id="12" name="Gerade Verbindung 11"/>
+          <p:cNvCxnSpPr/>
+          <p:nvPr/>
+        </p:nvCxnSpPr>
+        <p:spPr>
+          <a:xfrm>
+            <a:off x="1043608" y="2132856"/>
+            <a:ext cx="2088232" cy="0"/>
+          </a:xfrm>
+          <a:prstGeom prst="line">
+            <a:avLst/>
+          </a:prstGeom>
+          <a:ln>
+            <a:solidFill>
+              <a:srgbClr val="16A085"/>
+            </a:solidFill>
+          </a:ln>
+          <a:effectLst/>
+        </p:spPr>
+        <p:style>
+          <a:lnRef idx="2">
+            <a:schemeClr val="accent1"/>
+          </a:lnRef>
+          <a:fillRef idx="0">
+            <a:schemeClr val="accent1"/>
+          </a:fillRef>
+          <a:effectRef idx="1">
+            <a:schemeClr val="accent1"/>
+          </a:effectRef>
+          <a:fontRef idx="minor">
+            <a:schemeClr val="tx1"/>
+          </a:fontRef>
+        </p:style>
+      </p:cxnSp>
+      <p:sp>
+        <p:nvSpPr>
+          <p:cNvPr id="13" name="Rechteck 12"/>
+          <p:cNvSpPr/>
+          <p:nvPr/>
+        </p:nvSpPr>
+        <p:spPr>
+          <a:xfrm>
+            <a:off x="395536" y="3789040"/>
+            <a:ext cx="2088232" cy="864096"/>
+          </a:xfrm>
+          <a:prstGeom prst="rect">
+            <a:avLst/>
+          </a:prstGeom>
+          <a:solidFill>
+            <a:srgbClr val="F0DEB4"/>
+          </a:solidFill>
+          <a:ln>
+            <a:solidFill>
+              <a:srgbClr val="D5C295"/>
+            </a:solidFill>
+          </a:ln>
+        </p:spPr>
+        <p:style>
+          <a:lnRef idx="2">
+            <a:schemeClr val="accent1">
+              <a:shade val="50000"/>
+            </a:schemeClr>
+          </a:lnRef>
+          <a:fillRef idx="1">
+            <a:schemeClr val="accent1"/>
+          </a:fillRef>
+          <a:effectRef idx="0">
+            <a:schemeClr val="accent1"/>
+          </a:effectRef>
+          <a:fontRef idx="minor">
+            <a:schemeClr val="lt1"/>
+          </a:fontRef>
+        </p:style>
+        <p:txBody>
+          <a:bodyPr rtlCol="0" anchor="t"/>
+          <a:lstStyle/>
+          <a:p>
+            <a:pPr algn="ctr"/>
+            <a:r>
+              <a:rPr lang="de-DE" sz="1200" noProof="1">
+                <a:solidFill>
+                  <a:srgbClr val="2B2B2B"/>
+                </a:solidFill>
+                <a:latin typeface="Arial" panose="020B0604020202020204" pitchFamily="34" charset="0"/>
+                <a:cs typeface="Arial" panose="020B0604020202020204" pitchFamily="34" charset="0"/>
+              </a:rPr>
+              <a:t>BookmarkletPopup</a:t>
+            </a:r>
+            <a:endParaRPr lang="de-DE" sz="1200" noProof="1">
+              <a:solidFill>
+                <a:srgbClr val="2B2B2B"/>
+              </a:solidFill>
+              <a:latin typeface="Arial" panose="020B0604020202020204" pitchFamily="34" charset="0"/>
+              <a:cs typeface="Arial" panose="020B0604020202020204" pitchFamily="34" charset="0"/>
+            </a:endParaRPr>
+          </a:p>
+        </p:txBody>
+      </p:sp>
+      <p:cxnSp>
+        <p:nvCxnSpPr>
+          <p:cNvPr id="14" name="Gerade Verbindung 13"/>
+          <p:cNvCxnSpPr/>
+          <p:nvPr/>
+        </p:nvCxnSpPr>
+        <p:spPr>
+          <a:xfrm>
+            <a:off x="395536" y="4077072"/>
+            <a:ext cx="2088232" cy="0"/>
+          </a:xfrm>
+          <a:prstGeom prst="line">
+            <a:avLst/>
+          </a:prstGeom>
+          <a:ln>
+            <a:solidFill>
+              <a:srgbClr val="D5C295"/>
+            </a:solidFill>
+          </a:ln>
+          <a:effectLst/>
+        </p:spPr>
+        <p:style>
+          <a:lnRef idx="2">
+            <a:schemeClr val="accent1"/>
+          </a:lnRef>
+          <a:fillRef idx="0">
+            <a:schemeClr val="accent1"/>
+          </a:fillRef>
+          <a:effectRef idx="1">
+            <a:schemeClr val="accent1"/>
+          </a:effectRef>
+          <a:fontRef idx="minor">
+            <a:schemeClr val="tx1"/>
+          </a:fontRef>
+        </p:style>
+      </p:cxnSp>
+      <p:cxnSp>
+        <p:nvCxnSpPr>
+          <p:cNvPr id="15" name="Gerade Verbindung 14"/>
+          <p:cNvCxnSpPr/>
+          <p:nvPr/>
+        </p:nvCxnSpPr>
+        <p:spPr>
+          <a:xfrm>
+            <a:off x="395536" y="4437112"/>
+            <a:ext cx="2088232" cy="0"/>
+          </a:xfrm>
+          <a:prstGeom prst="line">
+            <a:avLst/>
+          </a:prstGeom>
+          <a:ln>
+            <a:solidFill>
+              <a:srgbClr val="D5C295"/>
+            </a:solidFill>
+          </a:ln>
+          <a:effectLst/>
+        </p:spPr>
+        <p:style>
+          <a:lnRef idx="2">
+            <a:schemeClr val="accent1"/>
+          </a:lnRef>
+          <a:fillRef idx="0">
+            <a:schemeClr val="accent1"/>
+          </a:fillRef>
+          <a:effectRef idx="1">
+            <a:schemeClr val="accent1"/>
+          </a:effectRef>
+          <a:fontRef idx="minor">
+            <a:schemeClr val="tx1"/>
+          </a:fontRef>
+        </p:style>
+      </p:cxnSp>
+      <p:sp>
+        <p:nvSpPr>
+          <p:cNvPr id="18" name="Rechteck 17"/>
+          <p:cNvSpPr/>
+          <p:nvPr/>
+        </p:nvSpPr>
+        <p:spPr>
+          <a:xfrm>
+            <a:off x="1619672" y="2708920"/>
+            <a:ext cx="2088232" cy="864096"/>
+          </a:xfrm>
+          <a:prstGeom prst="rect">
+            <a:avLst/>
+          </a:prstGeom>
+          <a:solidFill>
+            <a:srgbClr val="F0DEB4"/>
+          </a:solidFill>
+          <a:ln>
+            <a:solidFill>
+              <a:srgbClr val="D5C295"/>
+            </a:solidFill>
+          </a:ln>
+        </p:spPr>
+        <p:style>
+          <a:lnRef idx="2">
+            <a:schemeClr val="accent1">
+              <a:shade val="50000"/>
+            </a:schemeClr>
+          </a:lnRef>
+          <a:fillRef idx="1">
+            <a:schemeClr val="accent1"/>
+          </a:fillRef>
+          <a:effectRef idx="0">
+            <a:schemeClr val="accent1"/>
+          </a:effectRef>
+          <a:fontRef idx="minor">
+            <a:schemeClr val="lt1"/>
+          </a:fontRef>
+        </p:style>
+        <p:txBody>
+          <a:bodyPr rtlCol="0" anchor="t"/>
+          <a:lstStyle/>
+          <a:p>
+            <a:pPr algn="ctr"/>
+            <a:r>
+              <a:rPr lang="de-DE" sz="1200" noProof="1">
+                <a:solidFill>
+                  <a:srgbClr val="2B2B2B"/>
+                </a:solidFill>
+                <a:latin typeface="Arial" panose="020B0604020202020204" pitchFamily="34" charset="0"/>
+                <a:cs typeface="Arial" panose="020B0604020202020204" pitchFamily="34" charset="0"/>
+              </a:rPr>
+              <a:t>ScalePerformanceApi</a:t>
+            </a:r>
+            <a:endParaRPr lang="de-DE" sz="1200" noProof="1">
+              <a:solidFill>
+                <a:srgbClr val="2B2B2B"/>
+              </a:solidFill>
+              <a:latin typeface="Arial" panose="020B0604020202020204" pitchFamily="34" charset="0"/>
+              <a:cs typeface="Arial" panose="020B0604020202020204" pitchFamily="34" charset="0"/>
+            </a:endParaRPr>
+          </a:p>
+        </p:txBody>
+      </p:sp>
+      <p:cxnSp>
+        <p:nvCxnSpPr>
+          <p:cNvPr id="19" name="Gerade Verbindung 18"/>
+          <p:cNvCxnSpPr/>
+          <p:nvPr/>
+        </p:nvCxnSpPr>
+        <p:spPr>
+          <a:xfrm>
+            <a:off x="1619672" y="2996952"/>
+            <a:ext cx="2088232" cy="0"/>
+          </a:xfrm>
+          <a:prstGeom prst="line">
+            <a:avLst/>
+          </a:prstGeom>
+          <a:ln>
+            <a:solidFill>
+              <a:srgbClr val="D5C295"/>
+            </a:solidFill>
+          </a:ln>
+          <a:effectLst/>
+        </p:spPr>
+        <p:style>
+          <a:lnRef idx="2">
+            <a:schemeClr val="accent1"/>
+          </a:lnRef>
+          <a:fillRef idx="0">
+            <a:schemeClr val="accent1"/>
+          </a:fillRef>
+          <a:effectRef idx="1">
+            <a:schemeClr val="accent1"/>
+          </a:effectRef>
+          <a:fontRef idx="minor">
+            <a:schemeClr val="tx1"/>
+          </a:fontRef>
+        </p:style>
+      </p:cxnSp>
+      <p:cxnSp>
+        <p:nvCxnSpPr>
+          <p:cNvPr id="20" name="Gerade Verbindung 19"/>
+          <p:cNvCxnSpPr/>
+          <p:nvPr/>
+        </p:nvCxnSpPr>
+        <p:spPr>
+          <a:xfrm>
+            <a:off x="1619672" y="3356992"/>
+            <a:ext cx="2088232" cy="0"/>
+          </a:xfrm>
+          <a:prstGeom prst="line">
+            <a:avLst/>
+          </a:prstGeom>
+          <a:ln>
+            <a:solidFill>
+              <a:srgbClr val="D5C295"/>
+            </a:solidFill>
+          </a:ln>
+          <a:effectLst/>
+        </p:spPr>
+        <p:style>
+          <a:lnRef idx="2">
+            <a:schemeClr val="accent1"/>
+          </a:lnRef>
+          <a:fillRef idx="0">
+            <a:schemeClr val="accent1"/>
+          </a:fillRef>
+          <a:effectRef idx="1">
+            <a:schemeClr val="accent1"/>
+          </a:effectRef>
+          <a:fontRef idx="minor">
+            <a:schemeClr val="tx1"/>
+          </a:fontRef>
+        </p:style>
+      </p:cxnSp>
+      <p:sp>
+        <p:nvSpPr>
+          <p:cNvPr id="21" name="Rechteck 20"/>
+          <p:cNvSpPr/>
+          <p:nvPr/>
+        </p:nvSpPr>
+        <p:spPr>
+          <a:xfrm>
+            <a:off x="4644008" y="1484784"/>
+            <a:ext cx="2088232" cy="864096"/>
+          </a:xfrm>
+          <a:prstGeom prst="rect">
+            <a:avLst/>
+          </a:prstGeom>
+          <a:solidFill>
+            <a:srgbClr val="F0DEB4"/>
+          </a:solidFill>
+          <a:ln>
+            <a:solidFill>
+              <a:srgbClr val="D5C295"/>
+            </a:solidFill>
+          </a:ln>
+        </p:spPr>
+        <p:style>
+          <a:lnRef idx="2">
+            <a:schemeClr val="accent1">
+              <a:shade val="50000"/>
+            </a:schemeClr>
+          </a:lnRef>
+          <a:fillRef idx="1">
+            <a:schemeClr val="accent1"/>
+          </a:fillRef>
+          <a:effectRef idx="0">
+            <a:schemeClr val="accent1"/>
+          </a:effectRef>
+          <a:fontRef idx="minor">
+            <a:schemeClr val="lt1"/>
+          </a:fontRef>
+        </p:style>
+        <p:txBody>
+          <a:bodyPr rtlCol="0" anchor="t"/>
+          <a:lstStyle/>
+          <a:p>
+            <a:pPr algn="ctr"/>
+            <a:r>
+              <a:rPr lang="de-DE" sz="1200" noProof="1">
+                <a:solidFill>
+                  <a:srgbClr val="2B2B2B"/>
+                </a:solidFill>
+                <a:latin typeface="Arial" panose="020B0604020202020204" pitchFamily="34" charset="0"/>
+                <a:cs typeface="Arial" panose="020B0604020202020204" pitchFamily="34" charset="0"/>
+              </a:rPr>
+              <a:t>BookmarkletReadme</a:t>
+            </a:r>
+            <a:endParaRPr lang="de-DE" sz="1200" noProof="1">
+              <a:solidFill>
+                <a:srgbClr val="2B2B2B"/>
+              </a:solidFill>
+              <a:latin typeface="Arial" panose="020B0604020202020204" pitchFamily="34" charset="0"/>
+              <a:cs typeface="Arial" panose="020B0604020202020204" pitchFamily="34" charset="0"/>
+            </a:endParaRPr>
+          </a:p>
+        </p:txBody>
+      </p:sp>
+      <p:cxnSp>
+        <p:nvCxnSpPr>
+          <p:cNvPr id="22" name="Gerade Verbindung 21"/>
+          <p:cNvCxnSpPr/>
+          <p:nvPr/>
+        </p:nvCxnSpPr>
+        <p:spPr>
+          <a:xfrm>
+            <a:off x="4644008" y="1772816"/>
+            <a:ext cx="2088232" cy="0"/>
+          </a:xfrm>
+          <a:prstGeom prst="line">
+            <a:avLst/>
+          </a:prstGeom>
+          <a:ln>
+            <a:solidFill>
+              <a:srgbClr val="D5C295"/>
+            </a:solidFill>
+          </a:ln>
+          <a:effectLst/>
+        </p:spPr>
+        <p:style>
+          <a:lnRef idx="2">
+            <a:schemeClr val="accent1"/>
+          </a:lnRef>
+          <a:fillRef idx="0">
+            <a:schemeClr val="accent1"/>
+          </a:fillRef>
+          <a:effectRef idx="1">
+            <a:schemeClr val="accent1"/>
+          </a:effectRef>
+          <a:fontRef idx="minor">
+            <a:schemeClr val="tx1"/>
+          </a:fontRef>
+        </p:style>
+      </p:cxnSp>
+      <p:cxnSp>
+        <p:nvCxnSpPr>
+          <p:cNvPr id="23" name="Gerade Verbindung 22"/>
+          <p:cNvCxnSpPr/>
+          <p:nvPr/>
+        </p:nvCxnSpPr>
+        <p:spPr>
+          <a:xfrm>
+            <a:off x="4644008" y="2132856"/>
+            <a:ext cx="2088232" cy="0"/>
+          </a:xfrm>
+          <a:prstGeom prst="line">
+            <a:avLst/>
+          </a:prstGeom>
+          <a:ln>
+            <a:solidFill>
+              <a:srgbClr val="D5C295"/>
+            </a:solidFill>
+          </a:ln>
+          <a:effectLst/>
+        </p:spPr>
+        <p:style>
+          <a:lnRef idx="2">
+            <a:schemeClr val="accent1"/>
+          </a:lnRef>
+          <a:fillRef idx="0">
+            <a:schemeClr val="accent1"/>
+          </a:fillRef>
+          <a:effectRef idx="1">
+            <a:schemeClr val="accent1"/>
+          </a:effectRef>
+          <a:fontRef idx="minor">
+            <a:schemeClr val="tx1"/>
+          </a:fontRef>
+        </p:style>
+      </p:cxnSp>
+      <p:sp>
+        <p:nvSpPr>
+          <p:cNvPr id="24" name="Rechteck 23"/>
+          <p:cNvSpPr/>
+          <p:nvPr/>
+        </p:nvSpPr>
+        <p:spPr>
+          <a:xfrm>
+            <a:off x="3329862" y="4437112"/>
+            <a:ext cx="2088232" cy="864096"/>
+          </a:xfrm>
+          <a:prstGeom prst="rect">
+            <a:avLst/>
+          </a:prstGeom>
+          <a:solidFill>
+            <a:srgbClr val="B8C9F1"/>
+          </a:solidFill>
+          <a:ln>
+            <a:solidFill>
+              <a:srgbClr val="99ABD5"/>
+            </a:solidFill>
+          </a:ln>
+        </p:spPr>
+        <p:style>
+          <a:lnRef idx="2">
+            <a:schemeClr val="accent1">
+              <a:shade val="50000"/>
+            </a:schemeClr>
+          </a:lnRef>
+          <a:fillRef idx="1">
+            <a:schemeClr val="accent1"/>
+          </a:fillRef>
+          <a:effectRef idx="0">
+            <a:schemeClr val="accent1"/>
+          </a:effectRef>
+          <a:fontRef idx="minor">
+            <a:schemeClr val="lt1"/>
+          </a:fontRef>
+        </p:style>
+        <p:txBody>
+          <a:bodyPr rtlCol="0" anchor="t"/>
+          <a:lstStyle/>
+          <a:p>
+            <a:pPr algn="ctr"/>
+            <a:r>
+              <a:rPr lang="de-DE" sz="1200" noProof="1" smtClean="0">
+                <a:solidFill>
+                  <a:srgbClr val="2B2B2B"/>
+                </a:solidFill>
+                <a:latin typeface="Arial" panose="020B0604020202020204" pitchFamily="34" charset="0"/>
+                <a:cs typeface="Arial" panose="020B0604020202020204" pitchFamily="34" charset="0"/>
+              </a:rPr>
+              <a:t>„MyTool“</a:t>
+            </a:r>
+            <a:endParaRPr lang="de-DE" sz="1200" noProof="1">
+              <a:solidFill>
+                <a:srgbClr val="2B2B2B"/>
+              </a:solidFill>
+              <a:latin typeface="Arial" panose="020B0604020202020204" pitchFamily="34" charset="0"/>
+              <a:cs typeface="Arial" panose="020B0604020202020204" pitchFamily="34" charset="0"/>
+            </a:endParaRPr>
+          </a:p>
+        </p:txBody>
+      </p:sp>
+      <p:cxnSp>
+        <p:nvCxnSpPr>
+          <p:cNvPr id="25" name="Gerade Verbindung 24"/>
+          <p:cNvCxnSpPr/>
+          <p:nvPr/>
+        </p:nvCxnSpPr>
+        <p:spPr>
+          <a:xfrm>
+            <a:off x="3329862" y="4725144"/>
+            <a:ext cx="2088232" cy="0"/>
+          </a:xfrm>
+          <a:prstGeom prst="line">
+            <a:avLst/>
+          </a:prstGeom>
+          <a:ln>
+            <a:solidFill>
+              <a:srgbClr val="99ABD5"/>
+            </a:solidFill>
+          </a:ln>
+          <a:effectLst/>
+        </p:spPr>
+        <p:style>
+          <a:lnRef idx="2">
+            <a:schemeClr val="accent1"/>
+          </a:lnRef>
+          <a:fillRef idx="0">
+            <a:schemeClr val="accent1"/>
+          </a:fillRef>
+          <a:effectRef idx="1">
+            <a:schemeClr val="accent1"/>
+          </a:effectRef>
+          <a:fontRef idx="minor">
+            <a:schemeClr val="tx1"/>
+          </a:fontRef>
+        </p:style>
+      </p:cxnSp>
+      <p:cxnSp>
+        <p:nvCxnSpPr>
+          <p:cNvPr id="26" name="Gerade Verbindung 25"/>
+          <p:cNvCxnSpPr/>
+          <p:nvPr/>
+        </p:nvCxnSpPr>
+        <p:spPr>
+          <a:xfrm>
+            <a:off x="3329862" y="5085184"/>
+            <a:ext cx="2088232" cy="0"/>
+          </a:xfrm>
+          <a:prstGeom prst="line">
+            <a:avLst/>
+          </a:prstGeom>
+          <a:ln>
+            <a:solidFill>
+              <a:srgbClr val="99ABD5"/>
+            </a:solidFill>
+          </a:ln>
+          <a:effectLst/>
+        </p:spPr>
+        <p:style>
+          <a:lnRef idx="2">
+            <a:schemeClr val="accent1"/>
+          </a:lnRef>
+          <a:fillRef idx="0">
+            <a:schemeClr val="accent1"/>
+          </a:fillRef>
+          <a:effectRef idx="1">
+            <a:schemeClr val="accent1"/>
+          </a:effectRef>
+          <a:fontRef idx="minor">
+            <a:schemeClr val="tx1"/>
+          </a:fontRef>
+        </p:style>
+      </p:cxnSp>
+      <p:cxnSp>
+        <p:nvCxnSpPr>
+          <p:cNvPr id="33" name="Gewinkelte Verbindung 32"/>
+          <p:cNvCxnSpPr>
+            <a:stCxn id="7" idx="2"/>
+            <a:endCxn id="13" idx="0"/>
+          </p:cNvCxnSpPr>
+          <p:nvPr/>
+        </p:nvCxnSpPr>
+        <p:spPr>
+          <a:xfrm rot="5400000">
+            <a:off x="1043608" y="2744924"/>
+            <a:ext cx="1440160" cy="648072"/>
+          </a:xfrm>
+          <a:prstGeom prst="bentConnector3">
+            <a:avLst>
+              <a:gd name="adj1" fmla="val 8377"/>
+            </a:avLst>
+          </a:prstGeom>
+          <a:ln>
+            <a:solidFill>
+              <a:srgbClr val="2B2B2B"/>
+            </a:solidFill>
+            <a:tailEnd type="arrow"/>
+          </a:ln>
+          <a:effectLst/>
+        </p:spPr>
+        <p:style>
+          <a:lnRef idx="2">
+            <a:schemeClr val="accent1"/>
+          </a:lnRef>
+          <a:fillRef idx="0">
+            <a:schemeClr val="accent1"/>
+          </a:fillRef>
+          <a:effectRef idx="1">
+            <a:schemeClr val="accent1"/>
+          </a:effectRef>
+          <a:fontRef idx="minor">
+            <a:schemeClr val="tx1"/>
+          </a:fontRef>
+        </p:style>
+      </p:cxnSp>
+      <p:cxnSp>
+        <p:nvCxnSpPr>
+          <p:cNvPr id="37" name="Gewinkelte Verbindung 36"/>
+          <p:cNvCxnSpPr>
+            <a:stCxn id="7" idx="2"/>
+            <a:endCxn id="18" idx="0"/>
+          </p:cNvCxnSpPr>
+          <p:nvPr/>
+        </p:nvCxnSpPr>
+        <p:spPr>
+          <a:xfrm rot="16200000" flipH="1">
+            <a:off x="2195736" y="2240868"/>
+            <a:ext cx="360040" cy="576064"/>
+          </a:xfrm>
+          <a:prstGeom prst="bentConnector3">
+            <a:avLst>
+              <a:gd name="adj1" fmla="val 33069"/>
+            </a:avLst>
+          </a:prstGeom>
+          <a:ln>
+            <a:solidFill>
+              <a:srgbClr val="2B2B2B"/>
+            </a:solidFill>
+            <a:tailEnd type="arrow"/>
+          </a:ln>
+          <a:effectLst/>
+        </p:spPr>
+        <p:style>
+          <a:lnRef idx="2">
+            <a:schemeClr val="accent1"/>
+          </a:lnRef>
+          <a:fillRef idx="0">
+            <a:schemeClr val="accent1"/>
+          </a:fillRef>
+          <a:effectRef idx="1">
+            <a:schemeClr val="accent1"/>
+          </a:effectRef>
+          <a:fontRef idx="minor">
+            <a:schemeClr val="tx1"/>
+          </a:fontRef>
+        </p:style>
+      </p:cxnSp>
+      <p:cxnSp>
+        <p:nvCxnSpPr>
+          <p:cNvPr id="42" name="Gewinkelte Verbindung 41"/>
+          <p:cNvCxnSpPr>
+            <a:stCxn id="7" idx="3"/>
+            <a:endCxn id="21" idx="1"/>
+          </p:cNvCxnSpPr>
+          <p:nvPr/>
+        </p:nvCxnSpPr>
+        <p:spPr>
+          <a:xfrm>
+            <a:off x="3131840" y="1916832"/>
+            <a:ext cx="1512168" cy="12700"/>
+          </a:xfrm>
+          <a:prstGeom prst="bentConnector3">
+            <a:avLst>
+              <a:gd name="adj1" fmla="val 96360"/>
+            </a:avLst>
+          </a:prstGeom>
+          <a:ln>
+            <a:solidFill>
+              <a:srgbClr val="2B2B2B"/>
+            </a:solidFill>
+            <a:tailEnd type="arrow"/>
+          </a:ln>
+          <a:effectLst/>
+        </p:spPr>
+        <p:style>
+          <a:lnRef idx="2">
+            <a:schemeClr val="accent1"/>
+          </a:lnRef>
+          <a:fillRef idx="0">
+            <a:schemeClr val="accent1"/>
+          </a:fillRef>
+          <a:effectRef idx="1">
+            <a:schemeClr val="accent1"/>
+          </a:effectRef>
+          <a:fontRef idx="minor">
+            <a:schemeClr val="tx1"/>
+          </a:fontRef>
+        </p:style>
+      </p:cxnSp>
+      <p:cxnSp>
+        <p:nvCxnSpPr>
+          <p:cNvPr id="49" name="Gewinkelte Verbindung 48"/>
+          <p:cNvCxnSpPr>
+            <a:stCxn id="7" idx="3"/>
+            <a:endCxn id="24" idx="0"/>
+          </p:cNvCxnSpPr>
+          <p:nvPr/>
+        </p:nvCxnSpPr>
+        <p:spPr>
+          <a:xfrm>
+            <a:off x="3131840" y="1916832"/>
+            <a:ext cx="1242138" cy="2520280"/>
+          </a:xfrm>
+          <a:prstGeom prst="bentConnector2">
+            <a:avLst/>
+          </a:prstGeom>
+          <a:ln>
+            <a:solidFill>
+              <a:srgbClr val="2B2B2B"/>
+            </a:solidFill>
+            <a:tailEnd type="arrow"/>
+          </a:ln>
+          <a:effectLst/>
+        </p:spPr>
+        <p:style>
+          <a:lnRef idx="2">
+            <a:schemeClr val="accent1"/>
+          </a:lnRef>
+          <a:fillRef idx="0">
+            <a:schemeClr val="accent1"/>
+          </a:fillRef>
+          <a:effectRef idx="1">
+            <a:schemeClr val="accent1"/>
+          </a:effectRef>
+          <a:fontRef idx="minor">
+            <a:schemeClr val="tx1"/>
+          </a:fontRef>
+        </p:style>
+      </p:cxnSp>
+      <p:cxnSp>
+        <p:nvCxnSpPr>
+          <p:cNvPr id="60" name="Gewinkelte Verbindung 59"/>
+          <p:cNvCxnSpPr>
+            <a:stCxn id="24" idx="1"/>
+            <a:endCxn id="13" idx="3"/>
+          </p:cNvCxnSpPr>
+          <p:nvPr/>
+        </p:nvCxnSpPr>
+        <p:spPr>
+          <a:xfrm rot="10800000">
+            <a:off x="2483768" y="4221088"/>
+            <a:ext cx="846094" cy="648072"/>
+          </a:xfrm>
+          <a:prstGeom prst="bentConnector3">
+            <a:avLst>
+              <a:gd name="adj1" fmla="val 78819"/>
+            </a:avLst>
+          </a:prstGeom>
+          <a:ln>
+            <a:solidFill>
+              <a:srgbClr val="2B2B2B"/>
+            </a:solidFill>
+          </a:ln>
+          <a:effectLst/>
+        </p:spPr>
+        <p:style>
+          <a:lnRef idx="2">
+            <a:schemeClr val="accent1"/>
+          </a:lnRef>
+          <a:fillRef idx="0">
+            <a:schemeClr val="accent1"/>
+          </a:fillRef>
+          <a:effectRef idx="1">
+            <a:schemeClr val="accent1"/>
+          </a:effectRef>
+          <a:fontRef idx="minor">
+            <a:schemeClr val="tx1"/>
+          </a:fontRef>
+        </p:style>
+      </p:cxnSp>
+      <p:cxnSp>
+        <p:nvCxnSpPr>
+          <p:cNvPr id="61" name="Gewinkelte Verbindung 60"/>
+          <p:cNvCxnSpPr>
+            <a:stCxn id="24" idx="1"/>
+            <a:endCxn id="18" idx="2"/>
+          </p:cNvCxnSpPr>
+          <p:nvPr/>
+        </p:nvCxnSpPr>
+        <p:spPr>
+          <a:xfrm rot="10800000">
+            <a:off x="2663788" y="3573016"/>
+            <a:ext cx="666074" cy="1296144"/>
+          </a:xfrm>
+          <a:prstGeom prst="bentConnector2">
+            <a:avLst/>
+          </a:prstGeom>
+          <a:ln>
+            <a:solidFill>
+              <a:srgbClr val="2B2B2B"/>
+            </a:solidFill>
+          </a:ln>
+          <a:effectLst/>
+        </p:spPr>
+        <p:style>
+          <a:lnRef idx="2">
+            <a:schemeClr val="accent1"/>
+          </a:lnRef>
+          <a:fillRef idx="0">
+            <a:schemeClr val="accent1"/>
+          </a:fillRef>
+          <a:effectRef idx="1">
+            <a:schemeClr val="accent1"/>
+          </a:effectRef>
+          <a:fontRef idx="minor">
+            <a:schemeClr val="tx1"/>
+          </a:fontRef>
+        </p:style>
+      </p:cxnSp>
+      <p:sp>
+        <p:nvSpPr>
+          <p:cNvPr id="65" name="Textfeld 64"/>
+          <p:cNvSpPr txBox="1"/>
+          <p:nvPr/>
+        </p:nvSpPr>
+        <p:spPr>
+          <a:xfrm>
+            <a:off x="2627784" y="3542819"/>
+            <a:ext cx="211676" cy="246221"/>
+          </a:xfrm>
+          <a:prstGeom prst="rect">
+            <a:avLst/>
+          </a:prstGeom>
+          <a:noFill/>
+        </p:spPr>
+        <p:txBody>
+          <a:bodyPr wrap="square" rtlCol="0">
+            <a:spAutoFit/>
+          </a:bodyPr>
+          <a:lstStyle/>
+          <a:p>
+            <a:r>
+              <a:rPr lang="de-DE" sz="1000" dirty="0" smtClean="0">
+                <a:solidFill>
+                  <a:srgbClr val="2B2B2B"/>
+                </a:solidFill>
+              </a:rPr>
+              <a:t>1</a:t>
+            </a:r>
+            <a:endParaRPr lang="de-DE" sz="1000" dirty="0">
+              <a:solidFill>
+                <a:srgbClr val="2B2B2B"/>
+              </a:solidFill>
+            </a:endParaRPr>
+          </a:p>
+        </p:txBody>
+      </p:sp>
+      <p:sp>
+        <p:nvSpPr>
+          <p:cNvPr id="66" name="Textfeld 65"/>
+          <p:cNvSpPr txBox="1"/>
+          <p:nvPr/>
+        </p:nvSpPr>
+        <p:spPr>
+          <a:xfrm>
+            <a:off x="2449402" y="4189958"/>
+            <a:ext cx="250390" cy="246221"/>
+          </a:xfrm>
+          <a:prstGeom prst="rect">
+            <a:avLst/>
+          </a:prstGeom>
+          <a:noFill/>
+        </p:spPr>
+        <p:txBody>
+          <a:bodyPr wrap="none" rtlCol="0">
+            <a:spAutoFit/>
+          </a:bodyPr>
+          <a:lstStyle/>
+          <a:p>
+            <a:r>
+              <a:rPr lang="de-DE" sz="1000" dirty="0" smtClean="0">
+                <a:solidFill>
+                  <a:srgbClr val="2B2B2B"/>
+                </a:solidFill>
+              </a:rPr>
+              <a:t>1</a:t>
+            </a:r>
+            <a:endParaRPr lang="de-DE" sz="1000" dirty="0">
+              <a:solidFill>
+                <a:srgbClr val="2B2B2B"/>
+              </a:solidFill>
+            </a:endParaRPr>
+          </a:p>
+        </p:txBody>
+      </p:sp>
+    </p:spTree>
+    <p:extLst>
+      <p:ext uri="{BB962C8B-B14F-4D97-AF65-F5344CB8AC3E}">
+        <p14:creationId xmlns:p14="http://schemas.microsoft.com/office/powerpoint/2010/main" val="3312385178"/>
+      </p:ext>
+    </p:extLst>
+  </p:cSld>
+  <p:clrMapOvr>
+    <a:masterClrMapping/>
+  </p:clrMapOvr>
+</p:sld>
+</file>
+
+<file path=ppt/slides/slide8.xml><?xml version="1.0" encoding="utf-8"?>
+<p:sld xmlns:a="http://schemas.openxmlformats.org/drawingml/2006/main" xmlns:r="http://schemas.openxmlformats.org/officeDocument/2006/relationships" xmlns:p="http://schemas.openxmlformats.org/presentationml/2006/main">
+  <p:cSld>
+    <p:spTree>
+      <p:nvGrpSpPr>
+        <p:cNvPr id="1" name=""/>
+        <p:cNvGrpSpPr/>
+        <p:nvPr/>
+      </p:nvGrpSpPr>
+      <p:grpSpPr>
+        <a:xfrm>
+          <a:off x="0" y="0"/>
+          <a:ext cx="0" cy="0"/>
+          <a:chOff x="0" y="0"/>
+          <a:chExt cx="0" cy="0"/>
+        </a:xfrm>
+      </p:grpSpPr>
+      <p:sp>
+        <p:nvSpPr>
+          <p:cNvPr id="7" name="Rechteck 6"/>
+          <p:cNvSpPr/>
+          <p:nvPr/>
+        </p:nvSpPr>
+        <p:spPr>
+          <a:xfrm>
+            <a:off x="1043608" y="1484784"/>
+            <a:ext cx="2088232" cy="864096"/>
+          </a:xfrm>
+          <a:prstGeom prst="rect">
+            <a:avLst/>
+          </a:prstGeom>
+          <a:solidFill>
+            <a:srgbClr val="1ABC9C"/>
+          </a:solidFill>
+          <a:ln>
+            <a:solidFill>
+              <a:srgbClr val="16A085"/>
+            </a:solidFill>
+          </a:ln>
+        </p:spPr>
+        <p:style>
+          <a:lnRef idx="2">
+            <a:schemeClr val="accent1">
+              <a:shade val="50000"/>
+            </a:schemeClr>
+          </a:lnRef>
+          <a:fillRef idx="1">
+            <a:schemeClr val="accent1"/>
+          </a:fillRef>
+          <a:effectRef idx="0">
+            <a:schemeClr val="accent1"/>
+          </a:effectRef>
+          <a:fontRef idx="minor">
+            <a:schemeClr val="lt1"/>
+          </a:fontRef>
+        </p:style>
+        <p:txBody>
+          <a:bodyPr rtlCol="0" anchor="t"/>
+          <a:lstStyle/>
+          <a:p>
+            <a:pPr algn="ctr"/>
+            <a:r>
+              <a:rPr lang="de-DE" sz="1200" noProof="1" smtClean="0">
+                <a:solidFill>
+                  <a:srgbClr val="2B2B2B"/>
+                </a:solidFill>
+                <a:latin typeface="Arial" panose="020B0604020202020204" pitchFamily="34" charset="0"/>
+                <a:cs typeface="Arial" panose="020B0604020202020204" pitchFamily="34" charset="0"/>
+              </a:rPr>
+              <a:t>ScalePerformanceBarClass</a:t>
+            </a:r>
+            <a:endParaRPr lang="de-DE" sz="1200" noProof="1">
+              <a:solidFill>
+                <a:srgbClr val="2B2B2B"/>
+              </a:solidFill>
+              <a:latin typeface="Arial" panose="020B0604020202020204" pitchFamily="34" charset="0"/>
+              <a:cs typeface="Arial" panose="020B0604020202020204" pitchFamily="34" charset="0"/>
+            </a:endParaRPr>
+          </a:p>
+        </p:txBody>
+      </p:sp>
+      <p:cxnSp>
+        <p:nvCxnSpPr>
+          <p:cNvPr id="11" name="Gerade Verbindung 10"/>
+          <p:cNvCxnSpPr/>
+          <p:nvPr/>
+        </p:nvCxnSpPr>
+        <p:spPr>
+          <a:xfrm>
+            <a:off x="1043608" y="1772816"/>
+            <a:ext cx="2088232" cy="0"/>
+          </a:xfrm>
+          <a:prstGeom prst="line">
+            <a:avLst/>
+          </a:prstGeom>
+          <a:ln>
+            <a:solidFill>
+              <a:srgbClr val="16A085"/>
+            </a:solidFill>
+          </a:ln>
+          <a:effectLst/>
+        </p:spPr>
+        <p:style>
+          <a:lnRef idx="2">
+            <a:schemeClr val="accent1"/>
+          </a:lnRef>
+          <a:fillRef idx="0">
+            <a:schemeClr val="accent1"/>
+          </a:fillRef>
+          <a:effectRef idx="1">
+            <a:schemeClr val="accent1"/>
+          </a:effectRef>
+          <a:fontRef idx="minor">
+            <a:schemeClr val="tx1"/>
+          </a:fontRef>
+        </p:style>
+      </p:cxnSp>
+      <p:cxnSp>
+        <p:nvCxnSpPr>
+          <p:cNvPr id="12" name="Gerade Verbindung 11"/>
+          <p:cNvCxnSpPr/>
+          <p:nvPr/>
+        </p:nvCxnSpPr>
+        <p:spPr>
+          <a:xfrm>
+            <a:off x="1043608" y="2132856"/>
+            <a:ext cx="2088232" cy="0"/>
+          </a:xfrm>
+          <a:prstGeom prst="line">
+            <a:avLst/>
+          </a:prstGeom>
+          <a:ln>
+            <a:solidFill>
+              <a:srgbClr val="16A085"/>
+            </a:solidFill>
+          </a:ln>
+          <a:effectLst/>
+        </p:spPr>
+        <p:style>
+          <a:lnRef idx="2">
+            <a:schemeClr val="accent1"/>
+          </a:lnRef>
+          <a:fillRef idx="0">
+            <a:schemeClr val="accent1"/>
+          </a:fillRef>
+          <a:effectRef idx="1">
+            <a:schemeClr val="accent1"/>
+          </a:effectRef>
+          <a:fontRef idx="minor">
+            <a:schemeClr val="tx1"/>
+          </a:fontRef>
+        </p:style>
+      </p:cxnSp>
+      <p:sp>
+        <p:nvSpPr>
+          <p:cNvPr id="13" name="Rechteck 12"/>
+          <p:cNvSpPr/>
+          <p:nvPr/>
+        </p:nvSpPr>
+        <p:spPr>
+          <a:xfrm>
+            <a:off x="395536" y="3789040"/>
+            <a:ext cx="2088232" cy="864096"/>
+          </a:xfrm>
+          <a:prstGeom prst="rect">
+            <a:avLst/>
+          </a:prstGeom>
+          <a:solidFill>
+            <a:srgbClr val="F0DEB4"/>
+          </a:solidFill>
+          <a:ln>
+            <a:solidFill>
+              <a:srgbClr val="D5C295"/>
+            </a:solidFill>
+          </a:ln>
+        </p:spPr>
+        <p:style>
+          <a:lnRef idx="2">
+            <a:schemeClr val="accent1">
+              <a:shade val="50000"/>
+            </a:schemeClr>
+          </a:lnRef>
+          <a:fillRef idx="1">
+            <a:schemeClr val="accent1"/>
+          </a:fillRef>
+          <a:effectRef idx="0">
+            <a:schemeClr val="accent1"/>
+          </a:effectRef>
+          <a:fontRef idx="minor">
+            <a:schemeClr val="lt1"/>
+          </a:fontRef>
+        </p:style>
+        <p:txBody>
+          <a:bodyPr rtlCol="0" anchor="t"/>
+          <a:lstStyle/>
+          <a:p>
+            <a:pPr algn="ctr"/>
+            <a:r>
+              <a:rPr lang="de-DE" sz="1200" noProof="1">
+                <a:solidFill>
+                  <a:srgbClr val="2B2B2B"/>
+                </a:solidFill>
+                <a:latin typeface="Arial" panose="020B0604020202020204" pitchFamily="34" charset="0"/>
+                <a:cs typeface="Arial" panose="020B0604020202020204" pitchFamily="34" charset="0"/>
+              </a:rPr>
+              <a:t>BookmarkletPopup</a:t>
+            </a:r>
+            <a:endParaRPr lang="de-DE" sz="1200" noProof="1">
+              <a:solidFill>
+                <a:srgbClr val="2B2B2B"/>
+              </a:solidFill>
+              <a:latin typeface="Arial" panose="020B0604020202020204" pitchFamily="34" charset="0"/>
+              <a:cs typeface="Arial" panose="020B0604020202020204" pitchFamily="34" charset="0"/>
+            </a:endParaRPr>
+          </a:p>
+        </p:txBody>
+      </p:sp>
+      <p:cxnSp>
+        <p:nvCxnSpPr>
+          <p:cNvPr id="14" name="Gerade Verbindung 13"/>
+          <p:cNvCxnSpPr/>
+          <p:nvPr/>
+        </p:nvCxnSpPr>
+        <p:spPr>
+          <a:xfrm>
+            <a:off x="395536" y="4077072"/>
+            <a:ext cx="2088232" cy="0"/>
+          </a:xfrm>
+          <a:prstGeom prst="line">
+            <a:avLst/>
+          </a:prstGeom>
+          <a:ln>
+            <a:solidFill>
+              <a:srgbClr val="D5C295"/>
+            </a:solidFill>
+          </a:ln>
+          <a:effectLst/>
+        </p:spPr>
+        <p:style>
+          <a:lnRef idx="2">
+            <a:schemeClr val="accent1"/>
+          </a:lnRef>
+          <a:fillRef idx="0">
+            <a:schemeClr val="accent1"/>
+          </a:fillRef>
+          <a:effectRef idx="1">
+            <a:schemeClr val="accent1"/>
+          </a:effectRef>
+          <a:fontRef idx="minor">
+            <a:schemeClr val="tx1"/>
+          </a:fontRef>
+        </p:style>
+      </p:cxnSp>
+      <p:cxnSp>
+        <p:nvCxnSpPr>
+          <p:cNvPr id="15" name="Gerade Verbindung 14"/>
+          <p:cNvCxnSpPr/>
+          <p:nvPr/>
+        </p:nvCxnSpPr>
+        <p:spPr>
+          <a:xfrm>
+            <a:off x="395536" y="4437112"/>
+            <a:ext cx="2088232" cy="0"/>
+          </a:xfrm>
+          <a:prstGeom prst="line">
+            <a:avLst/>
+          </a:prstGeom>
+          <a:ln>
+            <a:solidFill>
+              <a:srgbClr val="D5C295"/>
+            </a:solidFill>
+          </a:ln>
+          <a:effectLst/>
+        </p:spPr>
+        <p:style>
+          <a:lnRef idx="2">
+            <a:schemeClr val="accent1"/>
+          </a:lnRef>
+          <a:fillRef idx="0">
+            <a:schemeClr val="accent1"/>
+          </a:fillRef>
+          <a:effectRef idx="1">
+            <a:schemeClr val="accent1"/>
+          </a:effectRef>
+          <a:fontRef idx="minor">
+            <a:schemeClr val="tx1"/>
+          </a:fontRef>
+        </p:style>
+      </p:cxnSp>
+    </p:spTree>
+    <p:extLst>
+      <p:ext uri="{BB962C8B-B14F-4D97-AF65-F5344CB8AC3E}">
+        <p14:creationId xmlns:p14="http://schemas.microsoft.com/office/powerpoint/2010/main" val="991708823"/>
+      </p:ext>
+    </p:extLst>
+  </p:cSld>
+  <p:clrMapOvr>
+    <a:masterClrMapping/>
+  </p:clrMapOvr>
+</p:sld>
+</file>
+
+<file path=ppt/slides/slide9.xml><?xml version="1.0" encoding="utf-8"?>
+<p:sld xmlns:a="http://schemas.openxmlformats.org/drawingml/2006/main" xmlns:r="http://schemas.openxmlformats.org/officeDocument/2006/relationships" xmlns:p="http://schemas.openxmlformats.org/presentationml/2006/main">
+  <p:cSld>
+    <p:spTree>
+      <p:nvGrpSpPr>
+        <p:cNvPr id="1" name=""/>
+        <p:cNvGrpSpPr/>
+        <p:nvPr/>
+      </p:nvGrpSpPr>
+      <p:grpSpPr>
+        <a:xfrm>
+          <a:off x="0" y="0"/>
+          <a:ext cx="0" cy="0"/>
+          <a:chOff x="0" y="0"/>
+          <a:chExt cx="0" cy="0"/>
+        </a:xfrm>
+      </p:grpSpPr>
+      <p:sp>
+        <p:nvSpPr>
+          <p:cNvPr id="7" name="Rechteck 6"/>
+          <p:cNvSpPr/>
+          <p:nvPr/>
+        </p:nvSpPr>
+        <p:spPr>
+          <a:xfrm>
+            <a:off x="1043608" y="1484784"/>
+            <a:ext cx="2088232" cy="864096"/>
+          </a:xfrm>
+          <a:prstGeom prst="rect">
+            <a:avLst/>
+          </a:prstGeom>
+          <a:solidFill>
+            <a:srgbClr val="1ABC9C"/>
+          </a:solidFill>
+          <a:ln>
+            <a:solidFill>
+              <a:srgbClr val="16A085"/>
+            </a:solidFill>
+          </a:ln>
+        </p:spPr>
+        <p:style>
+          <a:lnRef idx="2">
+            <a:schemeClr val="accent1">
+              <a:shade val="50000"/>
+            </a:schemeClr>
+          </a:lnRef>
+          <a:fillRef idx="1">
+            <a:schemeClr val="accent1"/>
+          </a:fillRef>
+          <a:effectRef idx="0">
+            <a:schemeClr val="accent1"/>
+          </a:effectRef>
+          <a:fontRef idx="minor">
+            <a:schemeClr val="lt1"/>
+          </a:fontRef>
+        </p:style>
+        <p:txBody>
+          <a:bodyPr rtlCol="0" anchor="t"/>
+          <a:lstStyle/>
+          <a:p>
+            <a:pPr algn="ctr"/>
+            <a:r>
+              <a:rPr lang="de-DE" sz="1200" noProof="1" smtClean="0">
+                <a:solidFill>
+                  <a:srgbClr val="2B2B2B"/>
+                </a:solidFill>
+                <a:latin typeface="Arial" panose="020B0604020202020204" pitchFamily="34" charset="0"/>
+                <a:cs typeface="Arial" panose="020B0604020202020204" pitchFamily="34" charset="0"/>
+              </a:rPr>
+              <a:t>ScalePerformanceBarClass</a:t>
+            </a:r>
+            <a:endParaRPr lang="de-DE" sz="1200" noProof="1">
+              <a:solidFill>
+                <a:srgbClr val="2B2B2B"/>
+              </a:solidFill>
+              <a:latin typeface="Arial" panose="020B0604020202020204" pitchFamily="34" charset="0"/>
+              <a:cs typeface="Arial" panose="020B0604020202020204" pitchFamily="34" charset="0"/>
+            </a:endParaRPr>
+          </a:p>
+        </p:txBody>
+      </p:sp>
+      <p:cxnSp>
+        <p:nvCxnSpPr>
+          <p:cNvPr id="11" name="Gerade Verbindung 10"/>
+          <p:cNvCxnSpPr/>
+          <p:nvPr/>
+        </p:nvCxnSpPr>
+        <p:spPr>
+          <a:xfrm>
+            <a:off x="1043608" y="1772816"/>
+            <a:ext cx="2088232" cy="0"/>
+          </a:xfrm>
+          <a:prstGeom prst="line">
+            <a:avLst/>
+          </a:prstGeom>
+          <a:ln>
+            <a:solidFill>
+              <a:srgbClr val="16A085"/>
+            </a:solidFill>
+          </a:ln>
+          <a:effectLst/>
+        </p:spPr>
+        <p:style>
+          <a:lnRef idx="2">
+            <a:schemeClr val="accent1"/>
+          </a:lnRef>
+          <a:fillRef idx="0">
+            <a:schemeClr val="accent1"/>
+          </a:fillRef>
+          <a:effectRef idx="1">
+            <a:schemeClr val="accent1"/>
+          </a:effectRef>
+          <a:fontRef idx="minor">
+            <a:schemeClr val="tx1"/>
+          </a:fontRef>
+        </p:style>
+      </p:cxnSp>
+      <p:cxnSp>
+        <p:nvCxnSpPr>
+          <p:cNvPr id="12" name="Gerade Verbindung 11"/>
+          <p:cNvCxnSpPr/>
+          <p:nvPr/>
+        </p:nvCxnSpPr>
+        <p:spPr>
+          <a:xfrm>
+            <a:off x="1043608" y="2132856"/>
+            <a:ext cx="2088232" cy="0"/>
+          </a:xfrm>
+          <a:prstGeom prst="line">
+            <a:avLst/>
+          </a:prstGeom>
+          <a:ln>
+            <a:solidFill>
+              <a:srgbClr val="16A085"/>
+            </a:solidFill>
+          </a:ln>
+          <a:effectLst/>
+        </p:spPr>
+        <p:style>
+          <a:lnRef idx="2">
+            <a:schemeClr val="accent1"/>
+          </a:lnRef>
+          <a:fillRef idx="0">
+            <a:schemeClr val="accent1"/>
+          </a:fillRef>
+          <a:effectRef idx="1">
+            <a:schemeClr val="accent1"/>
+          </a:effectRef>
+          <a:fontRef idx="minor">
+            <a:schemeClr val="tx1"/>
+          </a:fontRef>
+        </p:style>
+      </p:cxnSp>
+      <p:sp>
+        <p:nvSpPr>
+          <p:cNvPr id="13" name="Rechteck 12"/>
+          <p:cNvSpPr/>
+          <p:nvPr/>
+        </p:nvSpPr>
+        <p:spPr>
+          <a:xfrm>
+            <a:off x="395536" y="3789040"/>
+            <a:ext cx="2088232" cy="864096"/>
+          </a:xfrm>
+          <a:prstGeom prst="rect">
+            <a:avLst/>
+          </a:prstGeom>
+          <a:solidFill>
+            <a:srgbClr val="F0DEB4"/>
+          </a:solidFill>
+          <a:ln>
+            <a:solidFill>
+              <a:srgbClr val="D5C295"/>
+            </a:solidFill>
+          </a:ln>
+        </p:spPr>
+        <p:style>
+          <a:lnRef idx="2">
+            <a:schemeClr val="accent1">
+              <a:shade val="50000"/>
+            </a:schemeClr>
+          </a:lnRef>
+          <a:fillRef idx="1">
+            <a:schemeClr val="accent1"/>
+          </a:fillRef>
+          <a:effectRef idx="0">
+            <a:schemeClr val="accent1"/>
+          </a:effectRef>
+          <a:fontRef idx="minor">
+            <a:schemeClr val="lt1"/>
+          </a:fontRef>
+        </p:style>
+        <p:txBody>
+          <a:bodyPr rtlCol="0" anchor="t"/>
+          <a:lstStyle/>
+          <a:p>
+            <a:pPr algn="ctr"/>
+            <a:r>
+              <a:rPr lang="de-DE" sz="1200" noProof="1">
+                <a:solidFill>
+                  <a:srgbClr val="2B2B2B"/>
+                </a:solidFill>
+                <a:latin typeface="Arial" panose="020B0604020202020204" pitchFamily="34" charset="0"/>
+                <a:cs typeface="Arial" panose="020B0604020202020204" pitchFamily="34" charset="0"/>
+              </a:rPr>
+              <a:t>BookmarkletPopup</a:t>
+            </a:r>
+            <a:endParaRPr lang="de-DE" sz="1200" noProof="1">
+              <a:solidFill>
+                <a:srgbClr val="2B2B2B"/>
+              </a:solidFill>
+              <a:latin typeface="Arial" panose="020B0604020202020204" pitchFamily="34" charset="0"/>
+              <a:cs typeface="Arial" panose="020B0604020202020204" pitchFamily="34" charset="0"/>
+            </a:endParaRPr>
+          </a:p>
+        </p:txBody>
+      </p:sp>
+      <p:cxnSp>
+        <p:nvCxnSpPr>
+          <p:cNvPr id="14" name="Gerade Verbindung 13"/>
+          <p:cNvCxnSpPr/>
+          <p:nvPr/>
+        </p:nvCxnSpPr>
+        <p:spPr>
+          <a:xfrm>
+            <a:off x="395536" y="4077072"/>
+            <a:ext cx="2088232" cy="0"/>
+          </a:xfrm>
+          <a:prstGeom prst="line">
+            <a:avLst/>
+          </a:prstGeom>
+          <a:ln>
+            <a:solidFill>
+              <a:srgbClr val="D5C295"/>
+            </a:solidFill>
+          </a:ln>
+          <a:effectLst/>
+        </p:spPr>
+        <p:style>
+          <a:lnRef idx="2">
+            <a:schemeClr val="accent1"/>
+          </a:lnRef>
+          <a:fillRef idx="0">
+            <a:schemeClr val="accent1"/>
+          </a:fillRef>
+          <a:effectRef idx="1">
+            <a:schemeClr val="accent1"/>
+          </a:effectRef>
+          <a:fontRef idx="minor">
+            <a:schemeClr val="tx1"/>
+          </a:fontRef>
+        </p:style>
+      </p:cxnSp>
+      <p:cxnSp>
+        <p:nvCxnSpPr>
+          <p:cNvPr id="15" name="Gerade Verbindung 14"/>
+          <p:cNvCxnSpPr/>
+          <p:nvPr/>
+        </p:nvCxnSpPr>
+        <p:spPr>
+          <a:xfrm>
+            <a:off x="395536" y="4437112"/>
+            <a:ext cx="2088232" cy="0"/>
+          </a:xfrm>
+          <a:prstGeom prst="line">
+            <a:avLst/>
+          </a:prstGeom>
+          <a:ln>
+            <a:solidFill>
+              <a:srgbClr val="D5C295"/>
+            </a:solidFill>
+          </a:ln>
+          <a:effectLst/>
+        </p:spPr>
+        <p:style>
+          <a:lnRef idx="2">
+            <a:schemeClr val="accent1"/>
+          </a:lnRef>
+          <a:fillRef idx="0">
+            <a:schemeClr val="accent1"/>
+          </a:fillRef>
+          <a:effectRef idx="1">
+            <a:schemeClr val="accent1"/>
+          </a:effectRef>
+          <a:fontRef idx="minor">
+            <a:schemeClr val="tx1"/>
+          </a:fontRef>
+        </p:style>
+      </p:cxnSp>
+      <p:sp>
+        <p:nvSpPr>
+          <p:cNvPr id="18" name="Rechteck 17"/>
+          <p:cNvSpPr/>
+          <p:nvPr/>
+        </p:nvSpPr>
+        <p:spPr>
+          <a:xfrm>
+            <a:off x="1619672" y="2708920"/>
+            <a:ext cx="2088232" cy="864096"/>
+          </a:xfrm>
+          <a:prstGeom prst="rect">
+            <a:avLst/>
+          </a:prstGeom>
+          <a:solidFill>
+            <a:srgbClr val="F0DEB4"/>
+          </a:solidFill>
+          <a:ln>
+            <a:solidFill>
+              <a:srgbClr val="D5C295"/>
+            </a:solidFill>
+          </a:ln>
+        </p:spPr>
+        <p:style>
+          <a:lnRef idx="2">
+            <a:schemeClr val="accent1">
+              <a:shade val="50000"/>
+            </a:schemeClr>
+          </a:lnRef>
+          <a:fillRef idx="1">
+            <a:schemeClr val="accent1"/>
+          </a:fillRef>
+          <a:effectRef idx="0">
+            <a:schemeClr val="accent1"/>
+          </a:effectRef>
+          <a:fontRef idx="minor">
+            <a:schemeClr val="lt1"/>
+          </a:fontRef>
+        </p:style>
+        <p:txBody>
+          <a:bodyPr rtlCol="0" anchor="t"/>
+          <a:lstStyle/>
+          <a:p>
+            <a:pPr algn="ctr"/>
+            <a:r>
+              <a:rPr lang="de-DE" sz="1200" noProof="1">
+                <a:solidFill>
+                  <a:srgbClr val="2B2B2B"/>
+                </a:solidFill>
+                <a:latin typeface="Arial" panose="020B0604020202020204" pitchFamily="34" charset="0"/>
+                <a:cs typeface="Arial" panose="020B0604020202020204" pitchFamily="34" charset="0"/>
+              </a:rPr>
+              <a:t>ScalePerformanceApi</a:t>
+            </a:r>
+            <a:endParaRPr lang="de-DE" sz="1200" noProof="1">
+              <a:solidFill>
+                <a:srgbClr val="2B2B2B"/>
+              </a:solidFill>
+              <a:latin typeface="Arial" panose="020B0604020202020204" pitchFamily="34" charset="0"/>
+              <a:cs typeface="Arial" panose="020B0604020202020204" pitchFamily="34" charset="0"/>
+            </a:endParaRPr>
+          </a:p>
+        </p:txBody>
+      </p:sp>
+      <p:cxnSp>
+        <p:nvCxnSpPr>
+          <p:cNvPr id="19" name="Gerade Verbindung 18"/>
+          <p:cNvCxnSpPr/>
+          <p:nvPr/>
+        </p:nvCxnSpPr>
+        <p:spPr>
+          <a:xfrm>
+            <a:off x="1619672" y="2996952"/>
+            <a:ext cx="2088232" cy="0"/>
+          </a:xfrm>
+          <a:prstGeom prst="line">
+            <a:avLst/>
+          </a:prstGeom>
+          <a:ln>
+            <a:solidFill>
+              <a:srgbClr val="D5C295"/>
+            </a:solidFill>
+          </a:ln>
+          <a:effectLst/>
+        </p:spPr>
+        <p:style>
+          <a:lnRef idx="2">
+            <a:schemeClr val="accent1"/>
+          </a:lnRef>
+          <a:fillRef idx="0">
+            <a:schemeClr val="accent1"/>
+          </a:fillRef>
+          <a:effectRef idx="1">
+            <a:schemeClr val="accent1"/>
+          </a:effectRef>
+          <a:fontRef idx="minor">
+            <a:schemeClr val="tx1"/>
+          </a:fontRef>
+        </p:style>
+      </p:cxnSp>
+      <p:cxnSp>
+        <p:nvCxnSpPr>
+          <p:cNvPr id="20" name="Gerade Verbindung 19"/>
+          <p:cNvCxnSpPr/>
+          <p:nvPr/>
+        </p:nvCxnSpPr>
+        <p:spPr>
+          <a:xfrm>
+            <a:off x="1619672" y="3356992"/>
+            <a:ext cx="2088232" cy="0"/>
+          </a:xfrm>
+          <a:prstGeom prst="line">
+            <a:avLst/>
+          </a:prstGeom>
+          <a:ln>
+            <a:solidFill>
+              <a:srgbClr val="D5C295"/>
+            </a:solidFill>
+          </a:ln>
+          <a:effectLst/>
+        </p:spPr>
+        <p:style>
+          <a:lnRef idx="2">
+            <a:schemeClr val="accent1"/>
+          </a:lnRef>
+          <a:fillRef idx="0">
+            <a:schemeClr val="accent1"/>
+          </a:fillRef>
+          <a:effectRef idx="1">
+            <a:schemeClr val="accent1"/>
+          </a:effectRef>
+          <a:fontRef idx="minor">
+            <a:schemeClr val="tx1"/>
+          </a:fontRef>
+        </p:style>
+      </p:cxnSp>
+      <p:sp>
+        <p:nvSpPr>
+          <p:cNvPr id="21" name="Rechteck 20"/>
+          <p:cNvSpPr/>
+          <p:nvPr/>
+        </p:nvSpPr>
+        <p:spPr>
+          <a:xfrm>
+            <a:off x="4644008" y="1484784"/>
+            <a:ext cx="2088232" cy="864096"/>
+          </a:xfrm>
+          <a:prstGeom prst="rect">
+            <a:avLst/>
+          </a:prstGeom>
+          <a:solidFill>
+            <a:srgbClr val="F0DEB4"/>
+          </a:solidFill>
+          <a:ln>
+            <a:solidFill>
+              <a:srgbClr val="D5C295"/>
+            </a:solidFill>
+          </a:ln>
+        </p:spPr>
+        <p:style>
+          <a:lnRef idx="2">
+            <a:schemeClr val="accent1">
+              <a:shade val="50000"/>
+            </a:schemeClr>
+          </a:lnRef>
+          <a:fillRef idx="1">
+            <a:schemeClr val="accent1"/>
+          </a:fillRef>
+          <a:effectRef idx="0">
+            <a:schemeClr val="accent1"/>
+          </a:effectRef>
+          <a:fontRef idx="minor">
+            <a:schemeClr val="lt1"/>
+          </a:fontRef>
+        </p:style>
+        <p:txBody>
+          <a:bodyPr rtlCol="0" anchor="t"/>
+          <a:lstStyle/>
+          <a:p>
+            <a:pPr algn="ctr"/>
+            <a:r>
+              <a:rPr lang="de-DE" sz="1200" noProof="1">
+                <a:solidFill>
+                  <a:srgbClr val="2B2B2B"/>
+                </a:solidFill>
+                <a:latin typeface="Arial" panose="020B0604020202020204" pitchFamily="34" charset="0"/>
+                <a:cs typeface="Arial" panose="020B0604020202020204" pitchFamily="34" charset="0"/>
+              </a:rPr>
+              <a:t>BookmarkletReadme</a:t>
+            </a:r>
+            <a:endParaRPr lang="de-DE" sz="1200" noProof="1">
+              <a:solidFill>
+                <a:srgbClr val="2B2B2B"/>
+              </a:solidFill>
+              <a:latin typeface="Arial" panose="020B0604020202020204" pitchFamily="34" charset="0"/>
+              <a:cs typeface="Arial" panose="020B0604020202020204" pitchFamily="34" charset="0"/>
+            </a:endParaRPr>
+          </a:p>
+        </p:txBody>
+      </p:sp>
+      <p:cxnSp>
+        <p:nvCxnSpPr>
+          <p:cNvPr id="22" name="Gerade Verbindung 21"/>
+          <p:cNvCxnSpPr/>
+          <p:nvPr/>
+        </p:nvCxnSpPr>
+        <p:spPr>
+          <a:xfrm>
+            <a:off x="4644008" y="1772816"/>
+            <a:ext cx="2088232" cy="0"/>
+          </a:xfrm>
+          <a:prstGeom prst="line">
+            <a:avLst/>
+          </a:prstGeom>
+          <a:ln>
+            <a:solidFill>
+              <a:srgbClr val="D5C295"/>
+            </a:solidFill>
+          </a:ln>
+          <a:effectLst/>
+        </p:spPr>
+        <p:style>
+          <a:lnRef idx="2">
+            <a:schemeClr val="accent1"/>
+          </a:lnRef>
+          <a:fillRef idx="0">
+            <a:schemeClr val="accent1"/>
+          </a:fillRef>
+          <a:effectRef idx="1">
+            <a:schemeClr val="accent1"/>
+          </a:effectRef>
+          <a:fontRef idx="minor">
+            <a:schemeClr val="tx1"/>
+          </a:fontRef>
+        </p:style>
+      </p:cxnSp>
+      <p:cxnSp>
+        <p:nvCxnSpPr>
+          <p:cNvPr id="23" name="Gerade Verbindung 22"/>
+          <p:cNvCxnSpPr/>
+          <p:nvPr/>
+        </p:nvCxnSpPr>
+        <p:spPr>
+          <a:xfrm>
+            <a:off x="4644008" y="2132856"/>
+            <a:ext cx="2088232" cy="0"/>
+          </a:xfrm>
+          <a:prstGeom prst="line">
+            <a:avLst/>
+          </a:prstGeom>
+          <a:ln>
+            <a:solidFill>
+              <a:srgbClr val="D5C295"/>
+            </a:solidFill>
+          </a:ln>
+          <a:effectLst/>
+        </p:spPr>
+        <p:style>
+          <a:lnRef idx="2">
+            <a:schemeClr val="accent1"/>
+          </a:lnRef>
+          <a:fillRef idx="0">
+            <a:schemeClr val="accent1"/>
+          </a:fillRef>
+          <a:effectRef idx="1">
+            <a:schemeClr val="accent1"/>
+          </a:effectRef>
+          <a:fontRef idx="minor">
+            <a:schemeClr val="tx1"/>
+          </a:fontRef>
+        </p:style>
+      </p:cxnSp>
+      <p:cxnSp>
+        <p:nvCxnSpPr>
+          <p:cNvPr id="33" name="Gewinkelte Verbindung 32"/>
+          <p:cNvCxnSpPr>
+            <a:stCxn id="7" idx="2"/>
+            <a:endCxn id="13" idx="0"/>
+          </p:cNvCxnSpPr>
+          <p:nvPr/>
+        </p:nvCxnSpPr>
+        <p:spPr>
+          <a:xfrm rot="5400000">
+            <a:off x="1043608" y="2744924"/>
+            <a:ext cx="1440160" cy="648072"/>
+          </a:xfrm>
+          <a:prstGeom prst="bentConnector3">
+            <a:avLst>
+              <a:gd name="adj1" fmla="val 8377"/>
+            </a:avLst>
+          </a:prstGeom>
+          <a:ln>
+            <a:solidFill>
+              <a:srgbClr val="2B2B2B"/>
+            </a:solidFill>
+            <a:tailEnd type="arrow"/>
+          </a:ln>
+          <a:effectLst/>
+        </p:spPr>
+        <p:style>
+          <a:lnRef idx="2">
+            <a:schemeClr val="accent1"/>
+          </a:lnRef>
+          <a:fillRef idx="0">
+            <a:schemeClr val="accent1"/>
+          </a:fillRef>
+          <a:effectRef idx="1">
+            <a:schemeClr val="accent1"/>
+          </a:effectRef>
+          <a:fontRef idx="minor">
+            <a:schemeClr val="tx1"/>
+          </a:fontRef>
+        </p:style>
+      </p:cxnSp>
+      <p:cxnSp>
+        <p:nvCxnSpPr>
+          <p:cNvPr id="37" name="Gewinkelte Verbindung 36"/>
+          <p:cNvCxnSpPr>
+            <a:stCxn id="7" idx="2"/>
+            <a:endCxn id="18" idx="0"/>
+          </p:cNvCxnSpPr>
+          <p:nvPr/>
+        </p:nvCxnSpPr>
+        <p:spPr>
+          <a:xfrm rot="16200000" flipH="1">
+            <a:off x="2195736" y="2240868"/>
+            <a:ext cx="360040" cy="576064"/>
+          </a:xfrm>
+          <a:prstGeom prst="bentConnector3">
+            <a:avLst>
+              <a:gd name="adj1" fmla="val 33069"/>
+            </a:avLst>
+          </a:prstGeom>
+          <a:ln>
+            <a:solidFill>
+              <a:srgbClr val="2B2B2B"/>
+            </a:solidFill>
+            <a:tailEnd type="arrow"/>
+          </a:ln>
+          <a:effectLst/>
+        </p:spPr>
+        <p:style>
+          <a:lnRef idx="2">
+            <a:schemeClr val="accent1"/>
+          </a:lnRef>
+          <a:fillRef idx="0">
+            <a:schemeClr val="accent1"/>
+          </a:fillRef>
+          <a:effectRef idx="1">
+            <a:schemeClr val="accent1"/>
+          </a:effectRef>
+          <a:fontRef idx="minor">
+            <a:schemeClr val="tx1"/>
+          </a:fontRef>
+        </p:style>
+      </p:cxnSp>
+      <p:cxnSp>
+        <p:nvCxnSpPr>
+          <p:cNvPr id="42" name="Gewinkelte Verbindung 41"/>
+          <p:cNvCxnSpPr>
+            <a:stCxn id="7" idx="3"/>
+            <a:endCxn id="21" idx="1"/>
+          </p:cNvCxnSpPr>
+          <p:nvPr/>
+        </p:nvCxnSpPr>
+        <p:spPr>
+          <a:xfrm>
+            <a:off x="3131840" y="1916832"/>
+            <a:ext cx="1512168" cy="12700"/>
+          </a:xfrm>
+          <a:prstGeom prst="bentConnector3">
+            <a:avLst>
+              <a:gd name="adj1" fmla="val 96360"/>
+            </a:avLst>
+          </a:prstGeom>
+          <a:ln>
+            <a:solidFill>
+              <a:srgbClr val="2B2B2B"/>
+            </a:solidFill>
+            <a:tailEnd type="arrow"/>
+          </a:ln>
+          <a:effectLst/>
+        </p:spPr>
+        <p:style>
+          <a:lnRef idx="2">
+            <a:schemeClr val="accent1"/>
+          </a:lnRef>
+          <a:fillRef idx="0">
+            <a:schemeClr val="accent1"/>
+          </a:fillRef>
+          <a:effectRef idx="1">
+            <a:schemeClr val="accent1"/>
+          </a:effectRef>
+          <a:fontRef idx="minor">
+            <a:schemeClr val="tx1"/>
+          </a:fontRef>
+        </p:style>
+      </p:cxnSp>
+    </p:spTree>
+    <p:extLst>
+      <p:ext uri="{BB962C8B-B14F-4D97-AF65-F5344CB8AC3E}">
+        <p14:creationId xmlns:p14="http://schemas.microsoft.com/office/powerpoint/2010/main" val="1392198706"/>
+      </p:ext>
+    </p:extLst>
+  </p:cSld>
+  <p:clrMapOvr>
+    <a:masterClrMapping/>
+  </p:clrMapOvr>
 </p:sld>
 </file>
 
